--- a/Презентация.pptx
+++ b/Презентация.pptx
@@ -5,23 +5,27 @@
     <p:sldMasterId id="2147483648" r:id="rId1"/>
   </p:sldMasterIdLst>
   <p:notesMasterIdLst>
-    <p:notesMasterId r:id="rId16"/>
+    <p:notesMasterId r:id="rId20"/>
   </p:notesMasterIdLst>
   <p:sldIdLst>
     <p:sldId id="257" r:id="rId2"/>
     <p:sldId id="258" r:id="rId3"/>
     <p:sldId id="259" r:id="rId4"/>
-    <p:sldId id="260" r:id="rId5"/>
+    <p:sldId id="275" r:id="rId5"/>
     <p:sldId id="261" r:id="rId6"/>
-    <p:sldId id="263" r:id="rId7"/>
-    <p:sldId id="264" r:id="rId8"/>
-    <p:sldId id="269" r:id="rId9"/>
-    <p:sldId id="266" r:id="rId10"/>
-    <p:sldId id="270" r:id="rId11"/>
-    <p:sldId id="267" r:id="rId12"/>
-    <p:sldId id="271" r:id="rId13"/>
-    <p:sldId id="268" r:id="rId14"/>
-    <p:sldId id="272" r:id="rId15"/>
+    <p:sldId id="278" r:id="rId7"/>
+    <p:sldId id="274" r:id="rId8"/>
+    <p:sldId id="263" r:id="rId9"/>
+    <p:sldId id="269" r:id="rId10"/>
+    <p:sldId id="273" r:id="rId11"/>
+    <p:sldId id="279" r:id="rId12"/>
+    <p:sldId id="266" r:id="rId13"/>
+    <p:sldId id="270" r:id="rId14"/>
+    <p:sldId id="264" r:id="rId15"/>
+    <p:sldId id="267" r:id="rId16"/>
+    <p:sldId id="271" r:id="rId17"/>
+    <p:sldId id="268" r:id="rId18"/>
+    <p:sldId id="272" r:id="rId19"/>
   </p:sldIdLst>
   <p:sldSz cx="12192000" cy="6858000"/>
   <p:notesSz cx="6858000" cy="9144000"/>
@@ -143,6 +147,7 @@
   </mc:AlternateContent>
   <c:chart>
     <c:title>
+      <c:layout/>
       <c:overlay val="0"/>
       <c:spPr>
         <a:noFill/>
@@ -391,6 +396,7 @@
     </c:plotArea>
     <c:legend>
       <c:legendPos val="b"/>
+      <c:layout/>
       <c:overlay val="0"/>
       <c:spPr>
         <a:noFill/>
@@ -464,6 +470,7 @@
   </mc:AlternateContent>
   <c:chart>
     <c:title>
+      <c:layout/>
       <c:overlay val="0"/>
       <c:spPr>
         <a:noFill/>
@@ -686,6 +693,7 @@
     </c:plotArea>
     <c:legend>
       <c:legendPos val="b"/>
+      <c:layout/>
       <c:overlay val="0"/>
       <c:spPr>
         <a:noFill/>
@@ -759,6 +767,7 @@
   </mc:AlternateContent>
   <c:chart>
     <c:title>
+      <c:layout/>
       <c:overlay val="0"/>
       <c:spPr>
         <a:noFill/>
@@ -867,11 +876,31 @@
               </c:ext>
             </c:extLst>
           </c:dPt>
+          <c:dPt>
+            <c:idx val="3"/>
+            <c:bubble3D val="0"/>
+            <c:spPr>
+              <a:solidFill>
+                <a:schemeClr val="accent4"/>
+              </a:solidFill>
+              <a:ln w="19050">
+                <a:solidFill>
+                  <a:schemeClr val="lt1"/>
+                </a:solidFill>
+              </a:ln>
+              <a:effectLst/>
+            </c:spPr>
+            <c:extLst>
+              <c:ext xmlns:c16="http://schemas.microsoft.com/office/drawing/2014/chart" uri="{C3380CC4-5D6E-409C-BE32-E72D297353CC}">
+                <c16:uniqueId val="{00000007-8701-4517-B2B5-B67E228DBBBB}"/>
+              </c:ext>
+            </c:extLst>
+          </c:dPt>
           <c:cat>
             <c:strRef>
-              <c:f>Лист1!$A$2:$A$4</c:f>
+              <c:f>Лист1!$A$2:$A$5</c:f>
               <c:strCache>
-                <c:ptCount val="3"/>
+                <c:ptCount val="4"/>
                 <c:pt idx="0">
                   <c:v>Написание front-end приложения</c:v>
                 </c:pt>
@@ -879,25 +908,31 @@
                   <c:v>Оформление Swagger</c:v>
                 </c:pt>
                 <c:pt idx="2">
-                  <c:v>Запись демо-видео</c:v>
+                  <c:v>Тестирование Swagger</c:v>
+                </c:pt>
+                <c:pt idx="3">
+                  <c:v>Разработка дизайна продукта</c:v>
                 </c:pt>
               </c:strCache>
             </c:strRef>
           </c:cat>
           <c:val>
             <c:numRef>
-              <c:f>Лист1!$B$2:$B$4</c:f>
+              <c:f>Лист1!$B$2:$B$5</c:f>
               <c:numCache>
                 <c:formatCode>General</c:formatCode>
-                <c:ptCount val="3"/>
+                <c:ptCount val="4"/>
                 <c:pt idx="0">
-                  <c:v>50</c:v>
+                  <c:v>25</c:v>
                 </c:pt>
                 <c:pt idx="1">
-                  <c:v>15</c:v>
+                  <c:v>25</c:v>
                 </c:pt>
                 <c:pt idx="2">
-                  <c:v>35</c:v>
+                  <c:v>25</c:v>
+                </c:pt>
+                <c:pt idx="3">
+                  <c:v>25</c:v>
                 </c:pt>
               </c:numCache>
             </c:numRef>
@@ -929,6 +964,7 @@
     </c:plotArea>
     <c:legend>
       <c:legendPos val="b"/>
+      <c:layout/>
       <c:overlay val="0"/>
       <c:spPr>
         <a:noFill/>
@@ -1002,7 +1038,6 @@
   </mc:AlternateContent>
   <c:chart>
     <c:title>
-      <c:layout/>
       <c:overlay val="0"/>
       <c:spPr>
         <a:noFill/>
@@ -1201,7 +1236,6 @@
     </c:plotArea>
     <c:legend>
       <c:legendPos val="b"/>
-      <c:layout/>
       <c:overlay val="0"/>
       <c:spPr>
         <a:noFill/>
@@ -3576,7 +3610,7 @@
           <a:p>
             <a:fld id="{602BAF3B-8E6C-42EC-87C4-B6C3AA6A7FF5}" type="datetimeFigureOut">
               <a:rPr lang="ru-RU" smtClean="0"/>
-              <a:t>10.06.2020</a:t>
+              <a:t>18.06.2020</a:t>
             </a:fld>
             <a:endParaRPr lang="ru-RU"/>
           </a:p>
@@ -4193,7 +4227,7 @@
           <a:p>
             <a:fld id="{8EDCC4DC-C616-4BF6-AD85-97F5712A9DB0}" type="datetimeFigureOut">
               <a:rPr lang="ru-RU" smtClean="0"/>
-              <a:t>10.06.2020</a:t>
+              <a:t>18.06.2020</a:t>
             </a:fld>
             <a:endParaRPr lang="ru-RU"/>
           </a:p>
@@ -4363,7 +4397,7 @@
           <a:p>
             <a:fld id="{8EDCC4DC-C616-4BF6-AD85-97F5712A9DB0}" type="datetimeFigureOut">
               <a:rPr lang="ru-RU" smtClean="0"/>
-              <a:t>10.06.2020</a:t>
+              <a:t>18.06.2020</a:t>
             </a:fld>
             <a:endParaRPr lang="ru-RU"/>
           </a:p>
@@ -4543,7 +4577,7 @@
           <a:p>
             <a:fld id="{8EDCC4DC-C616-4BF6-AD85-97F5712A9DB0}" type="datetimeFigureOut">
               <a:rPr lang="ru-RU" smtClean="0"/>
-              <a:t>10.06.2020</a:t>
+              <a:t>18.06.2020</a:t>
             </a:fld>
             <a:endParaRPr lang="ru-RU"/>
           </a:p>
@@ -5068,7 +5102,7 @@
           <a:p>
             <a:fld id="{8EDCC4DC-C616-4BF6-AD85-97F5712A9DB0}" type="datetimeFigureOut">
               <a:rPr lang="ru-RU" smtClean="0"/>
-              <a:t>10.06.2020</a:t>
+              <a:t>18.06.2020</a:t>
             </a:fld>
             <a:endParaRPr lang="ru-RU"/>
           </a:p>
@@ -5314,7 +5348,7 @@
           <a:p>
             <a:fld id="{8EDCC4DC-C616-4BF6-AD85-97F5712A9DB0}" type="datetimeFigureOut">
               <a:rPr lang="ru-RU" smtClean="0"/>
-              <a:t>10.06.2020</a:t>
+              <a:t>18.06.2020</a:t>
             </a:fld>
             <a:endParaRPr lang="ru-RU"/>
           </a:p>
@@ -5546,7 +5580,7 @@
           <a:p>
             <a:fld id="{8EDCC4DC-C616-4BF6-AD85-97F5712A9DB0}" type="datetimeFigureOut">
               <a:rPr lang="ru-RU" smtClean="0"/>
-              <a:t>10.06.2020</a:t>
+              <a:t>18.06.2020</a:t>
             </a:fld>
             <a:endParaRPr lang="ru-RU"/>
           </a:p>
@@ -5913,7 +5947,7 @@
           <a:p>
             <a:fld id="{8EDCC4DC-C616-4BF6-AD85-97F5712A9DB0}" type="datetimeFigureOut">
               <a:rPr lang="ru-RU" smtClean="0"/>
-              <a:t>10.06.2020</a:t>
+              <a:t>18.06.2020</a:t>
             </a:fld>
             <a:endParaRPr lang="ru-RU"/>
           </a:p>
@@ -6031,7 +6065,7 @@
           <a:p>
             <a:fld id="{8EDCC4DC-C616-4BF6-AD85-97F5712A9DB0}" type="datetimeFigureOut">
               <a:rPr lang="ru-RU" smtClean="0"/>
-              <a:t>10.06.2020</a:t>
+              <a:t>18.06.2020</a:t>
             </a:fld>
             <a:endParaRPr lang="ru-RU"/>
           </a:p>
@@ -6126,7 +6160,7 @@
           <a:p>
             <a:fld id="{8EDCC4DC-C616-4BF6-AD85-97F5712A9DB0}" type="datetimeFigureOut">
               <a:rPr lang="ru-RU" smtClean="0"/>
-              <a:t>10.06.2020</a:t>
+              <a:t>18.06.2020</a:t>
             </a:fld>
             <a:endParaRPr lang="ru-RU"/>
           </a:p>
@@ -6403,7 +6437,7 @@
           <a:p>
             <a:fld id="{8EDCC4DC-C616-4BF6-AD85-97F5712A9DB0}" type="datetimeFigureOut">
               <a:rPr lang="ru-RU" smtClean="0"/>
-              <a:t>10.06.2020</a:t>
+              <a:t>18.06.2020</a:t>
             </a:fld>
             <a:endParaRPr lang="ru-RU"/>
           </a:p>
@@ -6656,7 +6690,7 @@
           <a:p>
             <a:fld id="{8EDCC4DC-C616-4BF6-AD85-97F5712A9DB0}" type="datetimeFigureOut">
               <a:rPr lang="ru-RU" smtClean="0"/>
-              <a:t>10.06.2020</a:t>
+              <a:t>18.06.2020</a:t>
             </a:fld>
             <a:endParaRPr lang="ru-RU"/>
           </a:p>
@@ -6869,7 +6903,7 @@
           <a:p>
             <a:fld id="{8EDCC4DC-C616-4BF6-AD85-97F5712A9DB0}" type="datetimeFigureOut">
               <a:rPr lang="ru-RU" smtClean="0"/>
-              <a:t>10.06.2020</a:t>
+              <a:t>18.06.2020</a:t>
             </a:fld>
             <a:endParaRPr lang="ru-RU"/>
           </a:p>
@@ -7496,6 +7530,318 @@
             <a:pPr algn="ctr"/>
             <a:r>
               <a:rPr lang="ru-RU" dirty="0" smtClean="0"/>
+              <a:t>Схема развертывания приложения</a:t>
+            </a:r>
+            <a:endParaRPr lang="ru-RU" dirty="0"/>
+          </a:p>
+        </p:txBody>
+      </p:sp>
+      <p:pic>
+        <p:nvPicPr>
+          <p:cNvPr id="4" name="Рисунок 3"/>
+          <p:cNvPicPr>
+            <a:picLocks noChangeAspect="1"/>
+          </p:cNvPicPr>
+          <p:nvPr/>
+        </p:nvPicPr>
+        <p:blipFill>
+          <a:blip r:embed="rId2">
+            <a:extLst>
+              <a:ext uri="{28A0092B-C50C-407E-A947-70E740481C1C}">
+                <a14:useLocalDpi xmlns:a14="http://schemas.microsoft.com/office/drawing/2010/main" val="0"/>
+              </a:ext>
+            </a:extLst>
+          </a:blip>
+          <a:stretch>
+            <a:fillRect/>
+          </a:stretch>
+        </p:blipFill>
+        <p:spPr>
+          <a:xfrm>
+            <a:off x="3019261" y="1534509"/>
+            <a:ext cx="6894179" cy="4271141"/>
+          </a:xfrm>
+          <a:prstGeom prst="rect">
+            <a:avLst/>
+          </a:prstGeom>
+        </p:spPr>
+      </p:pic>
+    </p:spTree>
+    <p:extLst>
+      <p:ext uri="{BB962C8B-B14F-4D97-AF65-F5344CB8AC3E}">
+        <p14:creationId xmlns:p14="http://schemas.microsoft.com/office/powerpoint/2010/main" val="1166976167"/>
+      </p:ext>
+    </p:extLst>
+  </p:cSld>
+  <p:clrMapOvr>
+    <a:masterClrMapping/>
+  </p:clrMapOvr>
+  <p:timing>
+    <p:tnLst>
+      <p:par>
+        <p:cTn id="1" dur="indefinite" restart="never" nodeType="tmRoot"/>
+      </p:par>
+    </p:tnLst>
+  </p:timing>
+</p:sld>
+</file>
+
+<file path=ppt/slides/slide11.xml><?xml version="1.0" encoding="utf-8"?>
+<p:sld xmlns:a="http://schemas.openxmlformats.org/drawingml/2006/main" xmlns:r="http://schemas.openxmlformats.org/officeDocument/2006/relationships" xmlns:p="http://schemas.openxmlformats.org/presentationml/2006/main">
+  <p:cSld>
+    <p:spTree>
+      <p:nvGrpSpPr>
+        <p:cNvPr id="1" name=""/>
+        <p:cNvGrpSpPr/>
+        <p:nvPr/>
+      </p:nvGrpSpPr>
+      <p:grpSpPr>
+        <a:xfrm>
+          <a:off x="0" y="0"/>
+          <a:ext cx="0" cy="0"/>
+          <a:chOff x="0" y="0"/>
+          <a:chExt cx="0" cy="0"/>
+        </a:xfrm>
+      </p:grpSpPr>
+      <p:sp>
+        <p:nvSpPr>
+          <p:cNvPr id="2" name="Заголовок 1"/>
+          <p:cNvSpPr>
+            <a:spLocks noGrp="1"/>
+          </p:cNvSpPr>
+          <p:nvPr>
+            <p:ph type="title"/>
+          </p:nvPr>
+        </p:nvSpPr>
+        <p:spPr/>
+        <p:txBody>
+          <a:bodyPr/>
+          <a:lstStyle/>
+          <a:p>
+            <a:pPr algn="ctr"/>
+            <a:r>
+              <a:rPr lang="en-US" dirty="0" smtClean="0"/>
+              <a:t>Swagger</a:t>
+            </a:r>
+            <a:endParaRPr lang="ru-RU" dirty="0"/>
+          </a:p>
+        </p:txBody>
+      </p:sp>
+      <p:pic>
+        <p:nvPicPr>
+          <p:cNvPr id="5" name="Рисунок 4"/>
+          <p:cNvPicPr>
+            <a:picLocks noChangeAspect="1"/>
+          </p:cNvPicPr>
+          <p:nvPr/>
+        </p:nvPicPr>
+        <p:blipFill rotWithShape="1">
+          <a:blip r:embed="rId2"/>
+          <a:srcRect l="11086" r="60337" b="57340"/>
+          <a:stretch/>
+        </p:blipFill>
+        <p:spPr>
+          <a:xfrm>
+            <a:off x="553923" y="2018806"/>
+            <a:ext cx="4573453" cy="3685682"/>
+          </a:xfrm>
+          <a:prstGeom prst="rect">
+            <a:avLst/>
+          </a:prstGeom>
+        </p:spPr>
+      </p:pic>
+      <p:pic>
+        <p:nvPicPr>
+          <p:cNvPr id="6" name="Рисунок 5"/>
+          <p:cNvPicPr>
+            <a:picLocks noChangeAspect="1"/>
+          </p:cNvPicPr>
+          <p:nvPr/>
+        </p:nvPicPr>
+        <p:blipFill rotWithShape="1">
+          <a:blip r:embed="rId3"/>
+          <a:srcRect l="7031" r="12188"/>
+          <a:stretch/>
+        </p:blipFill>
+        <p:spPr>
+          <a:xfrm>
+            <a:off x="5541323" y="1690688"/>
+            <a:ext cx="6265686" cy="4102388"/>
+          </a:xfrm>
+          <a:prstGeom prst="rect">
+            <a:avLst/>
+          </a:prstGeom>
+        </p:spPr>
+      </p:pic>
+    </p:spTree>
+    <p:extLst>
+      <p:ext uri="{BB962C8B-B14F-4D97-AF65-F5344CB8AC3E}">
+        <p14:creationId xmlns:p14="http://schemas.microsoft.com/office/powerpoint/2010/main" val="3966723107"/>
+      </p:ext>
+    </p:extLst>
+  </p:cSld>
+  <p:clrMapOvr>
+    <a:masterClrMapping/>
+  </p:clrMapOvr>
+  <p:timing>
+    <p:tnLst>
+      <p:par>
+        <p:cTn id="1" dur="indefinite" restart="never" nodeType="tmRoot"/>
+      </p:par>
+    </p:tnLst>
+  </p:timing>
+</p:sld>
+</file>
+
+<file path=ppt/slides/slide12.xml><?xml version="1.0" encoding="utf-8"?>
+<p:sld xmlns:a="http://schemas.openxmlformats.org/drawingml/2006/main" xmlns:r="http://schemas.openxmlformats.org/officeDocument/2006/relationships" xmlns:p="http://schemas.openxmlformats.org/presentationml/2006/main">
+  <p:cSld>
+    <p:spTree>
+      <p:nvGrpSpPr>
+        <p:cNvPr id="1" name=""/>
+        <p:cNvGrpSpPr/>
+        <p:nvPr/>
+      </p:nvGrpSpPr>
+      <p:grpSpPr>
+        <a:xfrm>
+          <a:off x="0" y="0"/>
+          <a:ext cx="0" cy="0"/>
+          <a:chOff x="0" y="0"/>
+          <a:chExt cx="0" cy="0"/>
+        </a:xfrm>
+      </p:grpSpPr>
+      <p:sp>
+        <p:nvSpPr>
+          <p:cNvPr id="2" name="Заголовок 1"/>
+          <p:cNvSpPr>
+            <a:spLocks noGrp="1"/>
+          </p:cNvSpPr>
+          <p:nvPr>
+            <p:ph type="title"/>
+          </p:nvPr>
+        </p:nvSpPr>
+        <p:spPr/>
+        <p:txBody>
+          <a:bodyPr/>
+          <a:lstStyle/>
+          <a:p>
+            <a:pPr algn="ctr"/>
+            <a:r>
+              <a:rPr lang="ru-RU" dirty="0" smtClean="0"/>
+              <a:t>Тестирование</a:t>
+            </a:r>
+            <a:endParaRPr lang="ru-RU" dirty="0"/>
+          </a:p>
+        </p:txBody>
+      </p:sp>
+      <p:sp>
+        <p:nvSpPr>
+          <p:cNvPr id="3" name="TextBox 2"/>
+          <p:cNvSpPr txBox="1"/>
+          <p:nvPr/>
+        </p:nvSpPr>
+        <p:spPr>
+          <a:xfrm>
+            <a:off x="3830988" y="1506022"/>
+            <a:ext cx="5278689" cy="369332"/>
+          </a:xfrm>
+          <a:prstGeom prst="rect">
+            <a:avLst/>
+          </a:prstGeom>
+          <a:noFill/>
+        </p:spPr>
+        <p:txBody>
+          <a:bodyPr wrap="none" rtlCol="0">
+            <a:spAutoFit/>
+          </a:bodyPr>
+          <a:lstStyle/>
+          <a:p>
+            <a:r>
+              <a:rPr lang="ru-RU" dirty="0" smtClean="0"/>
+              <a:t>Общие результаты функционального тестирования:</a:t>
+            </a:r>
+            <a:endParaRPr lang="ru-RU" dirty="0"/>
+          </a:p>
+        </p:txBody>
+      </p:sp>
+      <p:pic>
+        <p:nvPicPr>
+          <p:cNvPr id="4" name="Рисунок 3"/>
+          <p:cNvPicPr>
+            <a:picLocks noChangeAspect="1"/>
+          </p:cNvPicPr>
+          <p:nvPr/>
+        </p:nvPicPr>
+        <p:blipFill rotWithShape="1">
+          <a:blip r:embed="rId2"/>
+          <a:srcRect l="259"/>
+          <a:stretch/>
+        </p:blipFill>
+        <p:spPr>
+          <a:xfrm>
+            <a:off x="1211283" y="1875354"/>
+            <a:ext cx="9794853" cy="1962150"/>
+          </a:xfrm>
+          <a:prstGeom prst="rect">
+            <a:avLst/>
+          </a:prstGeom>
+        </p:spPr>
+      </p:pic>
+    </p:spTree>
+    <p:extLst>
+      <p:ext uri="{BB962C8B-B14F-4D97-AF65-F5344CB8AC3E}">
+        <p14:creationId xmlns:p14="http://schemas.microsoft.com/office/powerpoint/2010/main" val="1062573625"/>
+      </p:ext>
+    </p:extLst>
+  </p:cSld>
+  <p:clrMapOvr>
+    <a:masterClrMapping/>
+  </p:clrMapOvr>
+  <p:timing>
+    <p:tnLst>
+      <p:par>
+        <p:cTn id="1" dur="indefinite" restart="never" nodeType="tmRoot"/>
+      </p:par>
+    </p:tnLst>
+  </p:timing>
+</p:sld>
+</file>
+
+<file path=ppt/slides/slide13.xml><?xml version="1.0" encoding="utf-8"?>
+<p:sld xmlns:a="http://schemas.openxmlformats.org/drawingml/2006/main" xmlns:r="http://schemas.openxmlformats.org/officeDocument/2006/relationships" xmlns:p="http://schemas.openxmlformats.org/presentationml/2006/main">
+  <p:cSld>
+    <p:spTree>
+      <p:nvGrpSpPr>
+        <p:cNvPr id="1" name=""/>
+        <p:cNvGrpSpPr/>
+        <p:nvPr/>
+      </p:nvGrpSpPr>
+      <p:grpSpPr>
+        <a:xfrm>
+          <a:off x="0" y="0"/>
+          <a:ext cx="0" cy="0"/>
+          <a:chOff x="0" y="0"/>
+          <a:chExt cx="0" cy="0"/>
+        </a:xfrm>
+      </p:grpSpPr>
+      <p:sp>
+        <p:nvSpPr>
+          <p:cNvPr id="2" name="Заголовок 1"/>
+          <p:cNvSpPr>
+            <a:spLocks noGrp="1"/>
+          </p:cNvSpPr>
+          <p:nvPr>
+            <p:ph type="title"/>
+          </p:nvPr>
+        </p:nvSpPr>
+        <p:spPr/>
+        <p:txBody>
+          <a:bodyPr/>
+          <a:lstStyle/>
+          <a:p>
+            <a:pPr algn="ctr"/>
+            <a:r>
+              <a:rPr lang="ru-RU" dirty="0" smtClean="0"/>
               <a:t>Тестирование</a:t>
             </a:r>
             <a:endParaRPr lang="ru-RU" dirty="0"/>
@@ -7616,7 +7962,210 @@
 </p:sld>
 </file>
 
-<file path=ppt/slides/slide11.xml><?xml version="1.0" encoding="utf-8"?>
+<file path=ppt/slides/slide14.xml><?xml version="1.0" encoding="utf-8"?>
+<p:sld xmlns:a="http://schemas.openxmlformats.org/drawingml/2006/main" xmlns:r="http://schemas.openxmlformats.org/officeDocument/2006/relationships" xmlns:p="http://schemas.openxmlformats.org/presentationml/2006/main">
+  <p:cSld>
+    <p:spTree>
+      <p:nvGrpSpPr>
+        <p:cNvPr id="1" name=""/>
+        <p:cNvGrpSpPr/>
+        <p:nvPr/>
+      </p:nvGrpSpPr>
+      <p:grpSpPr>
+        <a:xfrm>
+          <a:off x="0" y="0"/>
+          <a:ext cx="0" cy="0"/>
+          <a:chOff x="0" y="0"/>
+          <a:chExt cx="0" cy="0"/>
+        </a:xfrm>
+      </p:grpSpPr>
+      <p:sp>
+        <p:nvSpPr>
+          <p:cNvPr id="2" name="Заголовок 1"/>
+          <p:cNvSpPr>
+            <a:spLocks noGrp="1"/>
+          </p:cNvSpPr>
+          <p:nvPr>
+            <p:ph type="title"/>
+          </p:nvPr>
+        </p:nvSpPr>
+        <p:spPr/>
+        <p:txBody>
+          <a:bodyPr/>
+          <a:lstStyle/>
+          <a:p>
+            <a:pPr algn="ctr"/>
+            <a:r>
+              <a:rPr lang="ru-RU" dirty="0" smtClean="0"/>
+              <a:t>Анализ предметных воронок</a:t>
+            </a:r>
+            <a:endParaRPr lang="ru-RU" dirty="0"/>
+          </a:p>
+        </p:txBody>
+      </p:sp>
+      <p:pic>
+        <p:nvPicPr>
+          <p:cNvPr id="3" name="Рисунок 2"/>
+          <p:cNvPicPr>
+            <a:picLocks noChangeAspect="1"/>
+          </p:cNvPicPr>
+          <p:nvPr/>
+        </p:nvPicPr>
+        <p:blipFill>
+          <a:blip r:embed="rId2"/>
+          <a:stretch>
+            <a:fillRect/>
+          </a:stretch>
+        </p:blipFill>
+        <p:spPr>
+          <a:xfrm>
+            <a:off x="536863" y="1690688"/>
+            <a:ext cx="3381994" cy="2433665"/>
+          </a:xfrm>
+          <a:prstGeom prst="rect">
+            <a:avLst/>
+          </a:prstGeom>
+        </p:spPr>
+      </p:pic>
+      <p:pic>
+        <p:nvPicPr>
+          <p:cNvPr id="4" name="Рисунок 3"/>
+          <p:cNvPicPr>
+            <a:picLocks noChangeAspect="1"/>
+          </p:cNvPicPr>
+          <p:nvPr/>
+        </p:nvPicPr>
+        <p:blipFill>
+          <a:blip r:embed="rId3"/>
+          <a:stretch>
+            <a:fillRect/>
+          </a:stretch>
+        </p:blipFill>
+        <p:spPr>
+          <a:xfrm>
+            <a:off x="477485" y="4124352"/>
+            <a:ext cx="3441371" cy="2476391"/>
+          </a:xfrm>
+          <a:prstGeom prst="rect">
+            <a:avLst/>
+          </a:prstGeom>
+        </p:spPr>
+      </p:pic>
+      <p:pic>
+        <p:nvPicPr>
+          <p:cNvPr id="5" name="Рисунок 4"/>
+          <p:cNvPicPr>
+            <a:picLocks noChangeAspect="1"/>
+          </p:cNvPicPr>
+          <p:nvPr/>
+        </p:nvPicPr>
+        <p:blipFill rotWithShape="1">
+          <a:blip r:embed="rId4"/>
+          <a:srcRect l="2480" r="3761"/>
+          <a:stretch/>
+        </p:blipFill>
+        <p:spPr>
+          <a:xfrm>
+            <a:off x="4220193" y="1690688"/>
+            <a:ext cx="3847605" cy="2650954"/>
+          </a:xfrm>
+          <a:prstGeom prst="rect">
+            <a:avLst/>
+          </a:prstGeom>
+        </p:spPr>
+      </p:pic>
+      <p:sp>
+        <p:nvSpPr>
+          <p:cNvPr id="8" name="TextBox 7"/>
+          <p:cNvSpPr txBox="1"/>
+          <p:nvPr/>
+        </p:nvSpPr>
+        <p:spPr>
+          <a:xfrm>
+            <a:off x="5420591" y="4660848"/>
+            <a:ext cx="5294414" cy="523220"/>
+          </a:xfrm>
+          <a:prstGeom prst="rect">
+            <a:avLst/>
+          </a:prstGeom>
+          <a:ln>
+            <a:solidFill>
+              <a:schemeClr val="accent2"/>
+            </a:solidFill>
+          </a:ln>
+        </p:spPr>
+        <p:style>
+          <a:lnRef idx="2">
+            <a:schemeClr val="accent1"/>
+          </a:lnRef>
+          <a:fillRef idx="1">
+            <a:schemeClr val="lt1"/>
+          </a:fillRef>
+          <a:effectRef idx="0">
+            <a:schemeClr val="accent1"/>
+          </a:effectRef>
+          <a:fontRef idx="minor">
+            <a:schemeClr val="dk1"/>
+          </a:fontRef>
+        </p:style>
+        <p:txBody>
+          <a:bodyPr wrap="square" rtlCol="0">
+            <a:spAutoFit/>
+          </a:bodyPr>
+          <a:lstStyle/>
+          <a:p>
+            <a:pPr algn="ctr"/>
+            <a:r>
+              <a:rPr lang="ru-RU" sz="1400" dirty="0" smtClean="0"/>
+              <a:t>Вывод: Примерно 85% пользователей справлялись с поставленными задачами</a:t>
+            </a:r>
+          </a:p>
+        </p:txBody>
+      </p:sp>
+      <p:pic>
+        <p:nvPicPr>
+          <p:cNvPr id="6" name="Рисунок 5"/>
+          <p:cNvPicPr>
+            <a:picLocks noChangeAspect="1"/>
+          </p:cNvPicPr>
+          <p:nvPr/>
+        </p:nvPicPr>
+        <p:blipFill rotWithShape="1">
+          <a:blip r:embed="rId5"/>
+          <a:srcRect t="1260" r="3804" b="2139"/>
+          <a:stretch/>
+        </p:blipFill>
+        <p:spPr>
+          <a:xfrm>
+            <a:off x="8067798" y="1672014"/>
+            <a:ext cx="3846824" cy="2669628"/>
+          </a:xfrm>
+          <a:prstGeom prst="rect">
+            <a:avLst/>
+          </a:prstGeom>
+        </p:spPr>
+      </p:pic>
+    </p:spTree>
+    <p:extLst>
+      <p:ext uri="{BB962C8B-B14F-4D97-AF65-F5344CB8AC3E}">
+        <p14:creationId xmlns:p14="http://schemas.microsoft.com/office/powerpoint/2010/main" val="2566586200"/>
+      </p:ext>
+    </p:extLst>
+  </p:cSld>
+  <p:clrMapOvr>
+    <a:masterClrMapping/>
+  </p:clrMapOvr>
+  <p:timing>
+    <p:tnLst>
+      <p:par>
+        <p:cTn id="1" dur="indefinite" restart="never" nodeType="tmRoot"/>
+      </p:par>
+    </p:tnLst>
+  </p:timing>
+</p:sld>
+</file>
+
+<file path=ppt/slides/slide15.xml><?xml version="1.0" encoding="utf-8"?>
 <p:sld xmlns:a="http://schemas.openxmlformats.org/drawingml/2006/main" xmlns:r="http://schemas.openxmlformats.org/officeDocument/2006/relationships" xmlns:p="http://schemas.openxmlformats.org/presentationml/2006/main">
   <p:cSld>
     <p:spTree>
@@ -7800,7 +8349,7 @@
 </p:sld>
 </file>
 
-<file path=ppt/slides/slide12.xml><?xml version="1.0" encoding="utf-8"?>
+<file path=ppt/slides/slide16.xml><?xml version="1.0" encoding="utf-8"?>
 <p:sld xmlns:a="http://schemas.openxmlformats.org/drawingml/2006/main" xmlns:r="http://schemas.openxmlformats.org/officeDocument/2006/relationships" xmlns:p="http://schemas.openxmlformats.org/presentationml/2006/main">
   <p:cSld>
     <p:spTree>
@@ -7953,7 +8502,7 @@
 </p:sld>
 </file>
 
-<file path=ppt/slides/slide13.xml><?xml version="1.0" encoding="utf-8"?>
+<file path=ppt/slides/slide17.xml><?xml version="1.0" encoding="utf-8"?>
 <p:sld xmlns:a="http://schemas.openxmlformats.org/drawingml/2006/main" xmlns:r="http://schemas.openxmlformats.org/officeDocument/2006/relationships" xmlns:p="http://schemas.openxmlformats.org/presentationml/2006/main">
   <p:cSld>
     <p:spTree>
@@ -8008,7 +8557,11 @@
           <a:prstGeom prst="rect">
             <a:avLst/>
           </a:prstGeom>
-          <a:ln/>
+          <a:ln>
+            <a:solidFill>
+              <a:schemeClr val="accent1"/>
+            </a:solidFill>
+          </a:ln>
         </p:spPr>
         <p:style>
           <a:lnRef idx="2">
@@ -8266,7 +8819,7 @@
 </p:sld>
 </file>
 
-<file path=ppt/slides/slide14.xml><?xml version="1.0" encoding="utf-8"?>
+<file path=ppt/slides/slide18.xml><?xml version="1.0" encoding="utf-8"?>
 <p:sld xmlns:a="http://schemas.openxmlformats.org/drawingml/2006/main" xmlns:r="http://schemas.openxmlformats.org/officeDocument/2006/relationships" xmlns:p="http://schemas.openxmlformats.org/presentationml/2006/main">
   <p:cSld>
     <p:spTree>
@@ -8443,7 +8996,7 @@
             <a:fld id="{00000000-1234-1234-1234-123412341234}" type="slidenum">
               <a:rPr lang="ru" smtClean="0"/>
               <a:pPr/>
-              <a:t>14</a:t>
+              <a:t>18</a:t>
             </a:fld>
             <a:endParaRPr lang="ru"/>
           </a:p>
@@ -8561,7 +9114,7 @@
           <p:nvPr>
             <p:extLst>
               <p:ext uri="{D42A27DB-BD31-4B8C-83A1-F6EECF244321}">
-                <p14:modId xmlns:p14="http://schemas.microsoft.com/office/powerpoint/2010/main" val="1273211935"/>
+                <p14:modId xmlns:p14="http://schemas.microsoft.com/office/powerpoint/2010/main" val="1560953753"/>
               </p:ext>
             </p:extLst>
           </p:nvPr>
@@ -8739,8 +9292,8 @@
         </p:nvSpPr>
         <p:spPr>
           <a:xfrm>
-            <a:off x="1043049" y="1690688"/>
-            <a:ext cx="10105901" cy="4062651"/>
+            <a:off x="1356150" y="1765737"/>
+            <a:ext cx="9479699" cy="2542363"/>
           </a:xfrm>
           <a:prstGeom prst="rect">
             <a:avLst/>
@@ -8762,7 +9315,7 @@
           </a:fontRef>
         </p:style>
         <p:txBody>
-          <a:bodyPr wrap="square" rtlCol="0">
+          <a:bodyPr wrap="square" rtlCol="0" anchor="t">
             <a:spAutoFit/>
           </a:bodyPr>
           <a:lstStyle/>
@@ -8773,8 +9326,8 @@
               </a:lnSpc>
             </a:pPr>
             <a:r>
-              <a:rPr lang="ru-RU" sz="2000" dirty="0" smtClean="0"/>
-              <a:t>Создание независимого продукта для определенной Конференции</a:t>
+              <a:rPr lang="ru-RU" dirty="0"/>
+              <a:t>В нынешних реалиях при организации конференции проявляются следующие сложности:</a:t>
             </a:r>
           </a:p>
           <a:p>
@@ -8784,8 +9337,8 @@
               </a:lnSpc>
             </a:pPr>
             <a:r>
-              <a:rPr lang="ru-RU" sz="2000" dirty="0" smtClean="0"/>
-              <a:t>Отсутствие аналогов, обладающих необходимым набором инструментов для создания Конференции</a:t>
+              <a:rPr lang="ru-RU" dirty="0"/>
+              <a:t>-сложность получения участниками организационной информации и взаимодействия с организаторами конференции</a:t>
             </a:r>
           </a:p>
           <a:p>
@@ -8795,8 +9348,8 @@
               </a:lnSpc>
             </a:pPr>
             <a:r>
-              <a:rPr lang="ru-RU" sz="2000" dirty="0" smtClean="0"/>
-              <a:t>Оптимизация подачи и проверки работы включает в себя:</a:t>
+              <a:rPr lang="ru-RU" dirty="0"/>
+              <a:t>-сложность мониторинга статуса работы из-за нецентрализованного и бессистемного их хранения</a:t>
             </a:r>
           </a:p>
           <a:p>
@@ -8806,41 +9359,9 @@
               </a:lnSpc>
             </a:pPr>
             <a:r>
-              <a:rPr lang="ru-RU" sz="2000" dirty="0" smtClean="0"/>
-              <a:t>	Отсутствие личного контакта</a:t>
-            </a:r>
-          </a:p>
-          <a:p>
-            <a:pPr>
-              <a:lnSpc>
-                <a:spcPct val="150000"/>
-              </a:lnSpc>
-            </a:pPr>
-            <a:r>
-              <a:rPr lang="ru-RU" sz="2000" dirty="0" smtClean="0"/>
-              <a:t>	Сокращение временных и денежных затрат со стороны Участников Конференции</a:t>
-            </a:r>
-          </a:p>
-          <a:p>
-            <a:pPr>
-              <a:lnSpc>
-                <a:spcPct val="150000"/>
-              </a:lnSpc>
-            </a:pPr>
-            <a:r>
-              <a:rPr lang="ru-RU" sz="2000" dirty="0"/>
-              <a:t>	</a:t>
-            </a:r>
-            <a:r>
-              <a:rPr lang="ru-RU" sz="2000" dirty="0" smtClean="0"/>
-              <a:t>Хранение/ведение архивов работ предыдущих лет </a:t>
-            </a:r>
-          </a:p>
-          <a:p>
-            <a:endParaRPr lang="ru-RU" sz="2400" dirty="0" smtClean="0"/>
-          </a:p>
-          <a:p>
-            <a:endParaRPr lang="ru-RU" sz="2400" dirty="0"/>
+              <a:rPr lang="ru-RU" dirty="0"/>
+              <a:t>-трудности в процессе подачи работы на рассмотрение</a:t>
+            </a:r>
           </a:p>
         </p:txBody>
       </p:sp>
@@ -8899,7 +9420,7 @@
             <a:pPr algn="ctr"/>
             <a:r>
               <a:rPr lang="ru-RU" dirty="0" smtClean="0"/>
-              <a:t>Постановка задачи. Требования</a:t>
+              <a:t>Назначение и Цели</a:t>
             </a:r>
             <a:endParaRPr lang="ru-RU" dirty="0"/>
           </a:p>
@@ -8913,8 +9434,8 @@
         </p:nvSpPr>
         <p:spPr>
           <a:xfrm>
-            <a:off x="595747" y="1695080"/>
-            <a:ext cx="3659579" cy="2814617"/>
+            <a:off x="1282262" y="1376855"/>
+            <a:ext cx="9479699" cy="3954929"/>
           </a:xfrm>
           <a:prstGeom prst="rect">
             <a:avLst/>
@@ -8936,19 +9457,31 @@
           </a:fontRef>
         </p:style>
         <p:txBody>
-          <a:bodyPr wrap="square" rtlCol="0">
+          <a:bodyPr wrap="square" rtlCol="0" anchor="t">
             <a:spAutoFit/>
           </a:bodyPr>
           <a:lstStyle/>
           <a:p>
-            <a:pPr algn="ctr">
-              <a:lnSpc>
-                <a:spcPct val="150000"/>
-              </a:lnSpc>
-            </a:pPr>
-            <a:r>
-              <a:rPr lang="ru-RU" sz="2000" i="1" dirty="0" smtClean="0"/>
-              <a:t>Внешний вид. Дизайн</a:t>
+            <a:pPr algn="ctr"/>
+            <a:r>
+              <a:rPr lang="ru-RU" sz="2000" dirty="0" smtClean="0"/>
+              <a:t>Создание продукта для определенной Конференции</a:t>
+            </a:r>
+          </a:p>
+          <a:p>
+            <a:endParaRPr lang="ru-RU" sz="2000" dirty="0" smtClean="0"/>
+          </a:p>
+          <a:p>
+            <a:endParaRPr lang="ru-RU" sz="2000" dirty="0" smtClean="0"/>
+          </a:p>
+          <a:p>
+            <a:r>
+              <a:rPr lang="ru-RU" sz="2000" dirty="0" smtClean="0"/>
+              <a:t>Хранение/ведение </a:t>
+            </a:r>
+            <a:r>
+              <a:rPr lang="ru-RU" sz="2000" dirty="0"/>
+              <a:t>архивов работ предыдущих лет </a:t>
             </a:r>
           </a:p>
           <a:p>
@@ -8959,120 +9492,157 @@
             </a:pPr>
             <a:r>
               <a:rPr lang="ru-RU" sz="2000" dirty="0" smtClean="0"/>
-              <a:t>Сервис должен иметь простой и понятный, неперегруженный динамическими элементами дизайн, выполненный в неброских цветах.</a:t>
-            </a:r>
-            <a:endParaRPr lang="ru-RU" sz="2000" dirty="0"/>
+              <a:t>Представление актуальной организационной информации</a:t>
+            </a:r>
+          </a:p>
+          <a:p>
+            <a:pPr>
+              <a:lnSpc>
+                <a:spcPct val="150000"/>
+              </a:lnSpc>
+            </a:pPr>
+            <a:r>
+              <a:rPr lang="ru-RU" sz="2000" dirty="0" smtClean="0"/>
+              <a:t>Оптимизация подачи и проверки работы включает в себя:</a:t>
+            </a:r>
+          </a:p>
+          <a:p>
+            <a:pPr>
+              <a:lnSpc>
+                <a:spcPct val="150000"/>
+              </a:lnSpc>
+            </a:pPr>
+            <a:r>
+              <a:rPr lang="ru-RU" sz="2000" dirty="0" smtClean="0"/>
+              <a:t>	</a:t>
+            </a:r>
+            <a:r>
+              <a:rPr lang="ru-RU" dirty="0" smtClean="0"/>
+              <a:t>- </a:t>
+            </a:r>
+            <a:r>
+              <a:rPr lang="ru-RU" dirty="0"/>
+              <a:t>загрузку документа (научной статьи) </a:t>
+            </a:r>
+          </a:p>
+          <a:p>
+            <a:pPr>
+              <a:lnSpc>
+                <a:spcPct val="150000"/>
+              </a:lnSpc>
+            </a:pPr>
+            <a:r>
+              <a:rPr lang="ru-RU" dirty="0" smtClean="0"/>
+              <a:t>	- </a:t>
+            </a:r>
+            <a:r>
+              <a:rPr lang="ru-RU" dirty="0"/>
+              <a:t>выставление статуса загруженной работы</a:t>
+            </a:r>
+          </a:p>
+          <a:p>
+            <a:pPr lvl="2">
+              <a:lnSpc>
+                <a:spcPct val="150000"/>
+              </a:lnSpc>
+            </a:pPr>
+            <a:r>
+              <a:rPr lang="ru-RU" dirty="0" smtClean="0"/>
+              <a:t>- чат </a:t>
+            </a:r>
+            <a:r>
+              <a:rPr lang="ru-RU" dirty="0"/>
+              <a:t>между </a:t>
+            </a:r>
+            <a:r>
+              <a:rPr lang="ru-RU" dirty="0" smtClean="0"/>
+              <a:t>участниками </a:t>
+            </a:r>
+          </a:p>
+          <a:p>
+            <a:pPr lvl="2">
+              <a:lnSpc>
+                <a:spcPct val="150000"/>
+              </a:lnSpc>
+            </a:pPr>
+            <a:r>
+              <a:rPr lang="en-US" dirty="0" smtClean="0"/>
+              <a:t>- </a:t>
+            </a:r>
+            <a:r>
+              <a:rPr lang="ru-RU" dirty="0" smtClean="0"/>
+              <a:t>снижение временных и финансовых затрат на организацию Конференции</a:t>
+            </a:r>
           </a:p>
         </p:txBody>
       </p:sp>
       <p:sp>
         <p:nvSpPr>
-          <p:cNvPr id="4" name="TextBox 3"/>
-          <p:cNvSpPr txBox="1"/>
+          <p:cNvPr id="4" name="Стрелка вниз 3"/>
+          <p:cNvSpPr/>
           <p:nvPr/>
         </p:nvSpPr>
         <p:spPr>
           <a:xfrm>
-            <a:off x="4497779" y="1690688"/>
-            <a:ext cx="7508174" cy="4247317"/>
+            <a:off x="5811904" y="1926055"/>
+            <a:ext cx="420414" cy="336331"/>
           </a:xfrm>
-          <a:prstGeom prst="rect">
+          <a:prstGeom prst="downArrow">
             <a:avLst/>
           </a:prstGeom>
-          <a:ln/>
+          <a:solidFill>
+            <a:schemeClr val="accent1">
+              <a:lumMod val="40000"/>
+              <a:lumOff val="60000"/>
+            </a:schemeClr>
+          </a:solidFill>
         </p:spPr>
         <p:style>
           <a:lnRef idx="2">
-            <a:schemeClr val="accent1"/>
+            <a:schemeClr val="accent1">
+              <a:shade val="50000"/>
+            </a:schemeClr>
           </a:lnRef>
           <a:fillRef idx="1">
-            <a:schemeClr val="lt1"/>
+            <a:schemeClr val="accent1"/>
           </a:fillRef>
           <a:effectRef idx="0">
             <a:schemeClr val="accent1"/>
           </a:effectRef>
           <a:fontRef idx="minor">
-            <a:schemeClr val="dk1"/>
+            <a:schemeClr val="lt1"/>
           </a:fontRef>
         </p:style>
         <p:txBody>
-          <a:bodyPr wrap="square" rtlCol="0">
-            <a:spAutoFit/>
-          </a:bodyPr>
+          <a:bodyPr rtlCol="0" anchor="ctr"/>
           <a:lstStyle/>
           <a:p>
-            <a:pPr algn="ctr">
-              <a:lnSpc>
-                <a:spcPct val="150000"/>
-              </a:lnSpc>
-            </a:pPr>
-            <a:r>
-              <a:rPr lang="ru-RU" sz="2000" i="1" dirty="0" smtClean="0"/>
-              <a:t>Функциональные задачи</a:t>
-            </a:r>
-          </a:p>
-          <a:p>
-            <a:pPr>
-              <a:lnSpc>
-                <a:spcPct val="150000"/>
-              </a:lnSpc>
-            </a:pPr>
-            <a:r>
-              <a:rPr lang="ru-RU" sz="2000" dirty="0" smtClean="0"/>
-              <a:t>Регистрация/Авторизация</a:t>
-            </a:r>
-          </a:p>
-          <a:p>
-            <a:pPr>
-              <a:lnSpc>
-                <a:spcPct val="150000"/>
-              </a:lnSpc>
-            </a:pPr>
-            <a:r>
-              <a:rPr lang="ru-RU" sz="2000" dirty="0" smtClean="0"/>
-              <a:t>Реализация ролей: Участник/Редактор/Администратор</a:t>
-            </a:r>
-          </a:p>
-          <a:p>
-            <a:pPr>
-              <a:lnSpc>
-                <a:spcPct val="150000"/>
-              </a:lnSpc>
-            </a:pPr>
-            <a:r>
-              <a:rPr lang="ru-RU" sz="2000" dirty="0" smtClean="0"/>
-              <a:t>Реализация средств для предоставления информации о Конференции</a:t>
-            </a:r>
-          </a:p>
-          <a:p>
-            <a:pPr>
-              <a:lnSpc>
-                <a:spcPct val="150000"/>
-              </a:lnSpc>
-            </a:pPr>
-            <a:r>
-              <a:rPr lang="ru-RU" sz="2000" dirty="0" smtClean="0"/>
-              <a:t>Реализация средств взаимодействия с организаторами Конференции</a:t>
-            </a:r>
-          </a:p>
-          <a:p>
-            <a:pPr>
-              <a:lnSpc>
-                <a:spcPct val="150000"/>
-              </a:lnSpc>
-            </a:pPr>
-            <a:r>
-              <a:rPr lang="ru-RU" sz="2000" dirty="0" smtClean="0"/>
-              <a:t>Реализация инструментов для подачи/проверки статьи, просмотра/изменения ее статуса</a:t>
-            </a:r>
-            <a:endParaRPr lang="ru-RU" sz="2000" dirty="0"/>
+            <a:pPr algn="ctr"/>
+            <a:endParaRPr lang="ru-RU" b="1">
+              <a:ln w="10160">
+                <a:solidFill>
+                  <a:schemeClr val="accent5"/>
+                </a:solidFill>
+                <a:prstDash val="solid"/>
+              </a:ln>
+              <a:solidFill>
+                <a:srgbClr val="FFFFFF"/>
+              </a:solidFill>
+              <a:effectLst>
+                <a:outerShdw blurRad="38100" dist="22860" dir="5400000" algn="tl" rotWithShape="0">
+                  <a:srgbClr val="000000">
+                    <a:alpha val="30000"/>
+                  </a:srgbClr>
+                </a:outerShdw>
+              </a:effectLst>
+            </a:endParaRPr>
           </a:p>
         </p:txBody>
       </p:sp>
     </p:spTree>
     <p:extLst>
       <p:ext uri="{BB962C8B-B14F-4D97-AF65-F5344CB8AC3E}">
-        <p14:creationId xmlns:p14="http://schemas.microsoft.com/office/powerpoint/2010/main" val="881560093"/>
+        <p14:creationId xmlns:p14="http://schemas.microsoft.com/office/powerpoint/2010/main" val="1702342363"/>
       </p:ext>
     </p:extLst>
   </p:cSld>
@@ -9124,7 +9694,7 @@
             <a:pPr algn="ctr"/>
             <a:r>
               <a:rPr lang="ru-RU" dirty="0" smtClean="0"/>
-              <a:t>Постановка задачи. Задачи</a:t>
+              <a:t>Постановка задачи</a:t>
             </a:r>
             <a:endParaRPr lang="ru-RU" dirty="0"/>
           </a:p>
@@ -9137,13 +9707,13 @@
           <p:nvPr>
             <p:extLst>
               <p:ext uri="{D42A27DB-BD31-4B8C-83A1-F6EECF244321}">
-                <p14:modId xmlns:p14="http://schemas.microsoft.com/office/powerpoint/2010/main" val="2480525290"/>
+                <p14:modId xmlns:p14="http://schemas.microsoft.com/office/powerpoint/2010/main" val="4099351682"/>
               </p:ext>
             </p:extLst>
           </p:nvPr>
         </p:nvGraphicFramePr>
         <p:xfrm>
-          <a:off x="1086638" y="1480151"/>
+          <a:off x="1065618" y="1480151"/>
           <a:ext cx="5791109" cy="4380240"/>
         </p:xfrm>
         <a:graphic>
@@ -9161,7 +9731,7 @@
         <p:spPr>
           <a:xfrm>
             <a:off x="6125734" y="1480151"/>
-            <a:ext cx="5294414" cy="2462213"/>
+            <a:ext cx="5294414" cy="2893100"/>
           </a:xfrm>
           <a:prstGeom prst="rect">
             <a:avLst/>
@@ -9190,8 +9760,15 @@
           <a:p>
             <a:r>
               <a:rPr lang="ru-RU" sz="1400" dirty="0"/>
-              <a:t>Реализация ролей: </a:t>
-            </a:r>
+              <a:t>Регистрация/Авторизация</a:t>
+            </a:r>
+          </a:p>
+          <a:p>
+            <a:r>
+              <a:rPr lang="ru-RU" sz="1400" dirty="0" smtClean="0"/>
+              <a:t>Реализация ролей и их функциональных возможностей: </a:t>
+            </a:r>
+            <a:endParaRPr lang="ru-RU" sz="1400" dirty="0"/>
           </a:p>
           <a:p>
             <a:r>
@@ -9219,38 +9796,28 @@
           </a:p>
           <a:p>
             <a:r>
+              <a:rPr lang="ru-RU" sz="1400" dirty="0" smtClean="0"/>
+              <a:t>Реализация </a:t>
+            </a:r>
+            <a:r>
               <a:rPr lang="ru-RU" sz="1400" dirty="0"/>
-              <a:t>Реализация функциональных </a:t>
+              <a:t>средств для предоставления информации о Конференции</a:t>
+            </a:r>
+          </a:p>
+          <a:p>
+            <a:r>
+              <a:rPr lang="ru-RU" sz="1400" dirty="0"/>
+              <a:t>Реализация средств взаимодействия с организаторами Конференции</a:t>
+            </a:r>
+          </a:p>
+          <a:p>
+            <a:r>
+              <a:rPr lang="ru-RU" sz="1400" dirty="0"/>
+              <a:t>Реализация инструментов для подачи/проверки статьи, просмотра/изменения ее </a:t>
             </a:r>
             <a:r>
               <a:rPr lang="ru-RU" sz="1400" dirty="0" smtClean="0"/>
-              <a:t>возможностей </a:t>
-            </a:r>
-            <a:r>
-              <a:rPr lang="ru-RU" sz="1400" dirty="0"/>
-              <a:t>ролей</a:t>
-            </a:r>
-          </a:p>
-          <a:p>
-            <a:r>
-              <a:rPr lang="ru-RU" sz="1400" dirty="0"/>
-              <a:t>Подключение внешнего модуля для хранения данных</a:t>
-            </a:r>
-          </a:p>
-          <a:p>
-            <a:r>
-              <a:rPr lang="ru-RU" sz="1400" dirty="0"/>
-              <a:t>Разработка базы данных </a:t>
-            </a:r>
-          </a:p>
-          <a:p>
-            <a:r>
-              <a:rPr lang="ru-RU" sz="1400" dirty="0"/>
-              <a:t>Разработка функциональности статических и динамических </a:t>
-            </a:r>
-            <a:r>
-              <a:rPr lang="ru-RU" sz="1400" dirty="0" smtClean="0"/>
-              <a:t>страниц</a:t>
+              <a:t>статуса</a:t>
             </a:r>
             <a:endParaRPr lang="ru-RU" sz="1400" dirty="0"/>
           </a:p>
@@ -9299,8 +9866,8 @@
         </p:nvCxnSpPr>
         <p:spPr>
           <a:xfrm>
-            <a:off x="5082639" y="4199079"/>
-            <a:ext cx="1043095" cy="743508"/>
+            <a:off x="5002924" y="4246179"/>
+            <a:ext cx="1122810" cy="907648"/>
           </a:xfrm>
           <a:prstGeom prst="straightConnector1">
             <a:avLst/>
@@ -9332,8 +9899,8 @@
         </p:nvSpPr>
         <p:spPr>
           <a:xfrm>
-            <a:off x="6125734" y="4680977"/>
-            <a:ext cx="5294414" cy="523220"/>
+            <a:off x="6125734" y="4784495"/>
+            <a:ext cx="5294414" cy="738664"/>
           </a:xfrm>
           <a:prstGeom prst="rect">
             <a:avLst/>
@@ -9361,22 +9928,8 @@
           <a:lstStyle/>
           <a:p>
             <a:r>
-              <a:rPr lang="ru-RU" sz="1400" dirty="0" smtClean="0"/>
-              <a:t>Создание </a:t>
-            </a:r>
-            <a:r>
               <a:rPr lang="ru-RU" sz="1400" dirty="0"/>
-              <a:t>макета дизайна</a:t>
-            </a:r>
-          </a:p>
-          <a:p>
-            <a:r>
-              <a:rPr lang="ru-RU" sz="1400" dirty="0" smtClean="0"/>
-              <a:t>Реализация </a:t>
-            </a:r>
-            <a:r>
-              <a:rPr lang="ru-RU" sz="1400" dirty="0"/>
-              <a:t>макета дизайна </a:t>
+              <a:t>Сервис должен иметь простой и понятный, неперегруженный динамическими элементами дизайн, выполненный в неброских цветах.</a:t>
             </a:r>
           </a:p>
         </p:txBody>
@@ -9438,271 +9991,572 @@
               <a:rPr lang="ru-RU" dirty="0" smtClean="0"/>
               <a:t>Анализ предметной области</a:t>
             </a:r>
-            <a:br>
-              <a:rPr lang="ru-RU" dirty="0" smtClean="0"/>
-            </a:br>
-            <a:r>
-              <a:rPr lang="ru-RU" dirty="0" smtClean="0"/>
-              <a:t>Обоснование выбора технологий</a:t>
-            </a:r>
             <a:endParaRPr lang="ru-RU" dirty="0"/>
           </a:p>
         </p:txBody>
       </p:sp>
-      <p:sp>
-        <p:nvSpPr>
-          <p:cNvPr id="4" name="TextBox 3"/>
-          <p:cNvSpPr txBox="1"/>
+      <p:grpSp>
+        <p:nvGrpSpPr>
+          <p:cNvPr id="9" name="Группа 8"/>
+          <p:cNvGrpSpPr/>
           <p:nvPr/>
-        </p:nvSpPr>
-        <p:spPr>
+        </p:nvGrpSpPr>
+        <p:grpSpPr>
           <a:xfrm>
-            <a:off x="461204" y="1904444"/>
-            <a:ext cx="5294414" cy="3216265"/>
+            <a:off x="1310245" y="1554336"/>
+            <a:ext cx="9615054" cy="4570233"/>
+            <a:chOff x="1310245" y="1554336"/>
+            <a:chExt cx="9615054" cy="4570233"/>
           </a:xfrm>
-          <a:prstGeom prst="rect">
-            <a:avLst/>
-          </a:prstGeom>
-          <a:ln/>
-        </p:spPr>
-        <p:style>
-          <a:lnRef idx="2">
-            <a:schemeClr val="accent1"/>
-          </a:lnRef>
-          <a:fillRef idx="1">
-            <a:schemeClr val="lt1"/>
-          </a:fillRef>
-          <a:effectRef idx="0">
-            <a:schemeClr val="accent1"/>
-          </a:effectRef>
-          <a:fontRef idx="minor">
-            <a:schemeClr val="dk1"/>
-          </a:fontRef>
-        </p:style>
-        <p:txBody>
-          <a:bodyPr wrap="square" rtlCol="0">
-            <a:spAutoFit/>
-          </a:bodyPr>
-          <a:lstStyle/>
-          <a:p>
-            <a:pPr algn="ctr">
-              <a:lnSpc>
-                <a:spcPct val="150000"/>
-              </a:lnSpc>
-            </a:pPr>
-            <a:r>
-              <a:rPr lang="en-US" dirty="0" smtClean="0"/>
-              <a:t>Back-end</a:t>
-            </a:r>
-            <a:endParaRPr lang="ru-RU" dirty="0"/>
-          </a:p>
-          <a:p>
-            <a:pPr>
-              <a:lnSpc>
-                <a:spcPct val="150000"/>
-              </a:lnSpc>
-            </a:pPr>
-            <a:r>
-              <a:rPr lang="ru-RU" dirty="0" smtClean="0"/>
-              <a:t> </a:t>
-            </a:r>
-            <a:r>
-              <a:rPr lang="en-US" dirty="0" smtClean="0"/>
-              <a:t>-  </a:t>
-            </a:r>
-            <a:r>
-              <a:rPr lang="en-US" dirty="0"/>
-              <a:t>Flask 1.1.1 (flask-login 0.5.0, </a:t>
-            </a:r>
-            <a:r>
-              <a:rPr lang="en-US" dirty="0" err="1"/>
-              <a:t>WTForms</a:t>
-            </a:r>
-            <a:r>
-              <a:rPr lang="en-US" dirty="0"/>
-              <a:t> 2.2.1, flask-wtf 0.14.1, </a:t>
-            </a:r>
-            <a:r>
-              <a:rPr lang="en-US" dirty="0" err="1"/>
-              <a:t>werkzeug</a:t>
-            </a:r>
-            <a:r>
-              <a:rPr lang="en-US" dirty="0"/>
-              <a:t> 1.0.0.)</a:t>
-            </a:r>
-            <a:endParaRPr lang="ru-RU" dirty="0"/>
-          </a:p>
-          <a:p>
-            <a:pPr>
-              <a:lnSpc>
-                <a:spcPct val="150000"/>
-              </a:lnSpc>
-            </a:pPr>
-            <a:r>
-              <a:rPr lang="en-US" dirty="0"/>
-              <a:t> - Flask-migration 2.5.2</a:t>
-            </a:r>
-            <a:endParaRPr lang="ru-RU" dirty="0"/>
-          </a:p>
-          <a:p>
-            <a:pPr>
-              <a:lnSpc>
-                <a:spcPct val="150000"/>
-              </a:lnSpc>
-            </a:pPr>
-            <a:r>
-              <a:rPr lang="en-US" dirty="0"/>
-              <a:t> - </a:t>
-            </a:r>
-            <a:r>
-              <a:rPr lang="en-US" dirty="0" err="1"/>
-              <a:t>sqlite</a:t>
-            </a:r>
-            <a:r>
-              <a:rPr lang="en-US" dirty="0"/>
-              <a:t> 3.25.1, </a:t>
-            </a:r>
-            <a:r>
-              <a:rPr lang="en-US" dirty="0" err="1"/>
-              <a:t>sqlalchemy</a:t>
-            </a:r>
-            <a:r>
-              <a:rPr lang="en-US" dirty="0"/>
-              <a:t> 1.3.13</a:t>
-            </a:r>
-            <a:endParaRPr lang="ru-RU" dirty="0"/>
-          </a:p>
-          <a:p>
-            <a:pPr>
-              <a:lnSpc>
-                <a:spcPct val="150000"/>
-              </a:lnSpc>
-            </a:pPr>
-            <a:r>
-              <a:rPr lang="ru-RU" dirty="0"/>
-              <a:t> </a:t>
-            </a:r>
-            <a:r>
-              <a:rPr lang="en-US" dirty="0" smtClean="0"/>
-              <a:t>- </a:t>
-            </a:r>
-            <a:r>
-              <a:rPr lang="en-US" dirty="0"/>
-              <a:t>Drive API </a:t>
-            </a:r>
-            <a:r>
-              <a:rPr lang="en-US" dirty="0" smtClean="0"/>
-              <a:t>v3</a:t>
-            </a:r>
-            <a:endParaRPr lang="ru-RU" dirty="0" smtClean="0"/>
-          </a:p>
-          <a:p>
-            <a:pPr>
-              <a:lnSpc>
-                <a:spcPct val="150000"/>
-              </a:lnSpc>
-            </a:pPr>
-            <a:r>
-              <a:rPr lang="ru-RU" dirty="0" smtClean="0">
+        </p:grpSpPr>
+        <p:grpSp>
+          <p:nvGrpSpPr>
+            <p:cNvPr id="8" name="Группа 7"/>
+            <p:cNvGrpSpPr/>
+            <p:nvPr/>
+          </p:nvGrpSpPr>
+          <p:grpSpPr>
+            <a:xfrm>
+              <a:off x="1310245" y="1554336"/>
+              <a:ext cx="9615054" cy="4570233"/>
+              <a:chOff x="1164001" y="1403055"/>
+              <a:chExt cx="9146051" cy="4570233"/>
+            </a:xfrm>
+          </p:grpSpPr>
+          <p:sp>
+            <p:nvSpPr>
+              <p:cNvPr id="22" name="Овал 21"/>
+              <p:cNvSpPr/>
+              <p:nvPr/>
+            </p:nvSpPr>
+            <p:spPr>
+              <a:xfrm>
+                <a:off x="5036006" y="1403055"/>
+                <a:ext cx="5274046" cy="4570233"/>
+              </a:xfrm>
+              <a:prstGeom prst="ellipse">
+                <a:avLst/>
+              </a:prstGeom>
+              <a:solidFill>
+                <a:schemeClr val="accent2">
+                  <a:lumMod val="40000"/>
+                  <a:lumOff val="60000"/>
+                  <a:alpha val="50000"/>
+                </a:schemeClr>
+              </a:solidFill>
+              <a:ln>
                 <a:solidFill>
-                  <a:srgbClr val="FF0000"/>
+                  <a:schemeClr val="accent2"/>
                 </a:solidFill>
-              </a:rPr>
-              <a:t>*Вова добавит*</a:t>
-            </a:r>
-            <a:endParaRPr lang="ru-RU" dirty="0">
+              </a:ln>
+            </p:spPr>
+            <p:style>
+              <a:lnRef idx="2">
+                <a:schemeClr val="accent1">
+                  <a:shade val="50000"/>
+                </a:schemeClr>
+              </a:lnRef>
+              <a:fillRef idx="1">
+                <a:schemeClr val="accent1"/>
+              </a:fillRef>
+              <a:effectRef idx="0">
+                <a:schemeClr val="accent1"/>
+              </a:effectRef>
+              <a:fontRef idx="minor">
+                <a:schemeClr val="lt1"/>
+              </a:fontRef>
+            </p:style>
+            <p:txBody>
+              <a:bodyPr rtlCol="0" anchor="ctr"/>
+              <a:lstStyle/>
+              <a:p>
+                <a:pPr algn="ctr"/>
+                <a:endParaRPr lang="ru-RU"/>
+              </a:p>
+            </p:txBody>
+          </p:sp>
+          <p:sp>
+            <p:nvSpPr>
+              <p:cNvPr id="7" name="Овал 6"/>
+              <p:cNvSpPr/>
+              <p:nvPr/>
+            </p:nvSpPr>
+            <p:spPr>
+              <a:xfrm>
+                <a:off x="1164001" y="1403055"/>
+                <a:ext cx="5465400" cy="4570233"/>
+              </a:xfrm>
+              <a:prstGeom prst="ellipse">
+                <a:avLst/>
+              </a:prstGeom>
               <a:solidFill>
-                <a:srgbClr val="FF0000"/>
+                <a:schemeClr val="accent1">
+                  <a:lumMod val="20000"/>
+                  <a:lumOff val="80000"/>
+                  <a:alpha val="50000"/>
+                </a:schemeClr>
               </a:solidFill>
-            </a:endParaRPr>
-          </a:p>
-          <a:p>
-            <a:endParaRPr lang="ru-RU" sz="1400" dirty="0" smtClean="0"/>
-          </a:p>
-        </p:txBody>
-      </p:sp>
-      <p:sp>
-        <p:nvSpPr>
-          <p:cNvPr id="5" name="TextBox 4"/>
-          <p:cNvSpPr txBox="1"/>
-          <p:nvPr/>
-        </p:nvSpPr>
-        <p:spPr>
-          <a:xfrm>
-            <a:off x="6242508" y="1904444"/>
-            <a:ext cx="5294414" cy="1277273"/>
-          </a:xfrm>
-          <a:prstGeom prst="rect">
-            <a:avLst/>
-          </a:prstGeom>
-          <a:ln>
-            <a:solidFill>
-              <a:schemeClr val="accent2"/>
-            </a:solidFill>
-          </a:ln>
-        </p:spPr>
-        <p:style>
-          <a:lnRef idx="2">
-            <a:schemeClr val="accent1"/>
-          </a:lnRef>
-          <a:fillRef idx="1">
-            <a:schemeClr val="lt1"/>
-          </a:fillRef>
-          <a:effectRef idx="0">
-            <a:schemeClr val="accent1"/>
-          </a:effectRef>
-          <a:fontRef idx="minor">
-            <a:schemeClr val="dk1"/>
-          </a:fontRef>
-        </p:style>
-        <p:txBody>
-          <a:bodyPr wrap="square" rtlCol="0">
-            <a:spAutoFit/>
-          </a:bodyPr>
-          <a:lstStyle/>
-          <a:p>
-            <a:pPr algn="ctr">
-              <a:lnSpc>
-                <a:spcPct val="150000"/>
-              </a:lnSpc>
-            </a:pPr>
-            <a:r>
-              <a:rPr lang="en-US" dirty="0" smtClean="0"/>
-              <a:t>Front-end</a:t>
-            </a:r>
-            <a:endParaRPr lang="ru-RU" dirty="0"/>
-          </a:p>
-          <a:p>
-            <a:r>
-              <a:rPr lang="en-US" dirty="0" smtClean="0"/>
-              <a:t> - </a:t>
-            </a:r>
-            <a:r>
-              <a:rPr lang="en-US" dirty="0"/>
-              <a:t>Bootstrap v.4.4.1</a:t>
-            </a:r>
-            <a:endParaRPr lang="ru-RU" dirty="0"/>
-          </a:p>
-          <a:p>
-            <a:r>
-              <a:rPr lang="en-US" dirty="0" smtClean="0"/>
-              <a:t> - </a:t>
-            </a:r>
-            <a:r>
-              <a:rPr lang="en-US" dirty="0"/>
-              <a:t>Flask 1.1.1</a:t>
-            </a:r>
-            <a:endParaRPr lang="ru-RU" dirty="0"/>
-          </a:p>
-          <a:p>
-            <a:endParaRPr lang="ru-RU" sz="1400" dirty="0" smtClean="0"/>
-          </a:p>
-        </p:txBody>
-      </p:sp>
+              <a:ln>
+                <a:solidFill>
+                  <a:schemeClr val="accent1"/>
+                </a:solidFill>
+              </a:ln>
+            </p:spPr>
+            <p:style>
+              <a:lnRef idx="2">
+                <a:schemeClr val="accent1">
+                  <a:shade val="50000"/>
+                </a:schemeClr>
+              </a:lnRef>
+              <a:fillRef idx="1">
+                <a:schemeClr val="accent1"/>
+              </a:fillRef>
+              <a:effectRef idx="0">
+                <a:schemeClr val="accent1"/>
+              </a:effectRef>
+              <a:fontRef idx="minor">
+                <a:schemeClr val="lt1"/>
+              </a:fontRef>
+            </p:style>
+            <p:txBody>
+              <a:bodyPr rtlCol="0" anchor="ctr"/>
+              <a:lstStyle/>
+              <a:p>
+                <a:pPr algn="ctr"/>
+                <a:endParaRPr lang="ru-RU"/>
+              </a:p>
+            </p:txBody>
+          </p:sp>
+          <p:sp>
+            <p:nvSpPr>
+              <p:cNvPr id="20" name="TextBox 19"/>
+              <p:cNvSpPr txBox="1"/>
+              <p:nvPr/>
+            </p:nvSpPr>
+            <p:spPr>
+              <a:xfrm>
+                <a:off x="2867303" y="1647144"/>
+                <a:ext cx="2111988" cy="646331"/>
+              </a:xfrm>
+              <a:prstGeom prst="rect">
+                <a:avLst/>
+              </a:prstGeom>
+              <a:noFill/>
+            </p:spPr>
+            <p:txBody>
+              <a:bodyPr wrap="none" rtlCol="0">
+                <a:spAutoFit/>
+              </a:bodyPr>
+              <a:lstStyle/>
+              <a:p>
+                <a:r>
+                  <a:rPr lang="ru-RU" dirty="0" smtClean="0"/>
+                  <a:t>Для определенных </a:t>
+                </a:r>
+              </a:p>
+              <a:p>
+                <a:r>
+                  <a:rPr lang="ru-RU" dirty="0" smtClean="0"/>
+                  <a:t>мероприятий</a:t>
+                </a:r>
+                <a:endParaRPr lang="ru-RU" dirty="0"/>
+              </a:p>
+            </p:txBody>
+          </p:sp>
+          <p:pic>
+            <p:nvPicPr>
+              <p:cNvPr id="3" name="Рисунок 2"/>
+              <p:cNvPicPr>
+                <a:picLocks noChangeAspect="1"/>
+              </p:cNvPicPr>
+              <p:nvPr/>
+            </p:nvPicPr>
+            <p:blipFill rotWithShape="1">
+              <a:blip r:embed="rId2"/>
+              <a:srcRect l="80543" t="-4304"/>
+              <a:stretch/>
+            </p:blipFill>
+            <p:spPr>
+              <a:xfrm>
+                <a:off x="2507144" y="2490327"/>
+                <a:ext cx="1443694" cy="586167"/>
+              </a:xfrm>
+              <a:prstGeom prst="rect">
+                <a:avLst/>
+              </a:prstGeom>
+            </p:spPr>
+          </p:pic>
+          <p:pic>
+            <p:nvPicPr>
+              <p:cNvPr id="10" name="Рисунок 9"/>
+              <p:cNvPicPr>
+                <a:picLocks noChangeAspect="1"/>
+              </p:cNvPicPr>
+              <p:nvPr/>
+            </p:nvPicPr>
+            <p:blipFill>
+              <a:blip r:embed="rId3"/>
+              <a:stretch>
+                <a:fillRect/>
+              </a:stretch>
+            </p:blipFill>
+            <p:spPr>
+              <a:xfrm>
+                <a:off x="5170724" y="3289129"/>
+                <a:ext cx="1323786" cy="311479"/>
+              </a:xfrm>
+              <a:prstGeom prst="rect">
+                <a:avLst/>
+              </a:prstGeom>
+            </p:spPr>
+          </p:pic>
+          <p:pic>
+            <p:nvPicPr>
+              <p:cNvPr id="5" name="Рисунок 4"/>
+              <p:cNvPicPr>
+                <a:picLocks noChangeAspect="1"/>
+              </p:cNvPicPr>
+              <p:nvPr/>
+            </p:nvPicPr>
+            <p:blipFill>
+              <a:blip r:embed="rId4"/>
+              <a:stretch>
+                <a:fillRect/>
+              </a:stretch>
+            </p:blipFill>
+            <p:spPr>
+              <a:xfrm>
+                <a:off x="7019962" y="4340338"/>
+                <a:ext cx="1990725" cy="771525"/>
+              </a:xfrm>
+              <a:prstGeom prst="rect">
+                <a:avLst/>
+              </a:prstGeom>
+            </p:spPr>
+          </p:pic>
+          <p:pic>
+            <p:nvPicPr>
+              <p:cNvPr id="4" name="Рисунок 3"/>
+              <p:cNvPicPr>
+                <a:picLocks noChangeAspect="1"/>
+              </p:cNvPicPr>
+              <p:nvPr/>
+            </p:nvPicPr>
+            <p:blipFill>
+              <a:blip r:embed="rId5"/>
+              <a:stretch>
+                <a:fillRect/>
+              </a:stretch>
+            </p:blipFill>
+            <p:spPr>
+              <a:xfrm>
+                <a:off x="8004380" y="2293475"/>
+                <a:ext cx="1422185" cy="1394696"/>
+              </a:xfrm>
+              <a:prstGeom prst="rect">
+                <a:avLst/>
+              </a:prstGeom>
+            </p:spPr>
+          </p:pic>
+          <p:sp>
+            <p:nvSpPr>
+              <p:cNvPr id="21" name="TextBox 20"/>
+              <p:cNvSpPr txBox="1"/>
+              <p:nvPr/>
+            </p:nvSpPr>
+            <p:spPr>
+              <a:xfrm>
+                <a:off x="6547954" y="1782927"/>
+                <a:ext cx="2456635" cy="369332"/>
+              </a:xfrm>
+              <a:prstGeom prst="rect">
+                <a:avLst/>
+              </a:prstGeom>
+              <a:noFill/>
+            </p:spPr>
+            <p:txBody>
+              <a:bodyPr wrap="none" rtlCol="0">
+                <a:spAutoFit/>
+              </a:bodyPr>
+              <a:lstStyle/>
+              <a:p>
+                <a:r>
+                  <a:rPr lang="ru-RU" dirty="0" smtClean="0"/>
+                  <a:t>Сервисы-конструкторы</a:t>
+                </a:r>
+                <a:endParaRPr lang="ru-RU" dirty="0"/>
+              </a:p>
+            </p:txBody>
+          </p:sp>
+        </p:grpSp>
+        <p:sp>
+          <p:nvSpPr>
+            <p:cNvPr id="23" name="TextBox 22"/>
+            <p:cNvSpPr txBox="1"/>
+            <p:nvPr/>
+          </p:nvSpPr>
+          <p:spPr>
+            <a:xfrm>
+              <a:off x="2642692" y="3138408"/>
+              <a:ext cx="1710566" cy="646331"/>
+            </a:xfrm>
+            <a:prstGeom prst="rect">
+              <a:avLst/>
+            </a:prstGeom>
+            <a:noFill/>
+          </p:spPr>
+          <p:txBody>
+            <a:bodyPr wrap="square" rtlCol="0">
+              <a:spAutoFit/>
+            </a:bodyPr>
+            <a:lstStyle/>
+            <a:p>
+              <a:r>
+                <a:rPr lang="ru-RU" sz="1200" dirty="0" smtClean="0"/>
+                <a:t>Студенческая конференция ВГУ</a:t>
+              </a:r>
+            </a:p>
+            <a:p>
+              <a:r>
+                <a:rPr lang="ru-RU" sz="1200" u="sng" dirty="0">
+                  <a:hlinkClick r:id="rId6"/>
+                </a:rPr>
+                <a:t>http://econ.vsu.ru/conf/</a:t>
+              </a:r>
+              <a:endParaRPr lang="ru-RU" sz="1200" dirty="0"/>
+            </a:p>
+          </p:txBody>
+        </p:sp>
+        <p:grpSp>
+          <p:nvGrpSpPr>
+            <p:cNvPr id="24" name="Группа 23"/>
+            <p:cNvGrpSpPr/>
+            <p:nvPr/>
+          </p:nvGrpSpPr>
+          <p:grpSpPr>
+            <a:xfrm>
+              <a:off x="2495974" y="4081338"/>
+              <a:ext cx="2593915" cy="1277103"/>
+              <a:chOff x="8205979" y="2156337"/>
+              <a:chExt cx="3408057" cy="1800392"/>
+            </a:xfrm>
+          </p:grpSpPr>
+          <p:pic>
+            <p:nvPicPr>
+              <p:cNvPr id="25" name="Рисунок 24"/>
+              <p:cNvPicPr>
+                <a:picLocks noChangeAspect="1"/>
+              </p:cNvPicPr>
+              <p:nvPr/>
+            </p:nvPicPr>
+            <p:blipFill>
+              <a:blip r:embed="rId7"/>
+              <a:stretch>
+                <a:fillRect/>
+              </a:stretch>
+            </p:blipFill>
+            <p:spPr>
+              <a:xfrm>
+                <a:off x="8205979" y="2156337"/>
+                <a:ext cx="3324225" cy="895350"/>
+              </a:xfrm>
+              <a:prstGeom prst="rect">
+                <a:avLst/>
+              </a:prstGeom>
+            </p:spPr>
+          </p:pic>
+          <p:sp>
+            <p:nvSpPr>
+              <p:cNvPr id="26" name="TextBox 25"/>
+              <p:cNvSpPr txBox="1"/>
+              <p:nvPr/>
+            </p:nvSpPr>
+            <p:spPr>
+              <a:xfrm>
+                <a:off x="8205979" y="2915400"/>
+                <a:ext cx="3408057" cy="1041329"/>
+              </a:xfrm>
+              <a:prstGeom prst="rect">
+                <a:avLst/>
+              </a:prstGeom>
+              <a:noFill/>
+            </p:spPr>
+            <p:txBody>
+              <a:bodyPr wrap="none" rtlCol="0">
+                <a:spAutoFit/>
+              </a:bodyPr>
+              <a:lstStyle/>
+              <a:p>
+                <a:r>
+                  <a:rPr lang="ru-RU" sz="1200" dirty="0" smtClean="0"/>
+                  <a:t>Конференция от ОИЯИ</a:t>
+                </a:r>
+              </a:p>
+              <a:p>
+                <a:r>
+                  <a:rPr lang="en-US" sz="1200" dirty="0">
+                    <a:hlinkClick r:id="rId8"/>
+                  </a:rPr>
+                  <a:t>http://www.jinr.ru/about/events-plan</a:t>
+                </a:r>
+                <a:r>
+                  <a:rPr lang="en-US" sz="1200" dirty="0" smtClean="0">
+                    <a:hlinkClick r:id="rId8"/>
+                  </a:rPr>
+                  <a:t>/</a:t>
+                </a:r>
+                <a:endParaRPr lang="ru-RU" sz="1200" dirty="0" smtClean="0"/>
+              </a:p>
+              <a:p>
+                <a:endParaRPr lang="ru-RU" dirty="0"/>
+              </a:p>
+            </p:txBody>
+          </p:sp>
+        </p:grpSp>
+        <p:sp>
+          <p:nvSpPr>
+            <p:cNvPr id="30" name="TextBox 29"/>
+            <p:cNvSpPr txBox="1"/>
+            <p:nvPr/>
+          </p:nvSpPr>
+          <p:spPr>
+            <a:xfrm>
+              <a:off x="8418965" y="3770638"/>
+              <a:ext cx="1361719" cy="738664"/>
+            </a:xfrm>
+            <a:prstGeom prst="rect">
+              <a:avLst/>
+            </a:prstGeom>
+            <a:noFill/>
+          </p:spPr>
+          <p:txBody>
+            <a:bodyPr wrap="none" rtlCol="0">
+              <a:spAutoFit/>
+            </a:bodyPr>
+            <a:lstStyle/>
+            <a:p>
+              <a:r>
+                <a:rPr lang="ru-RU" sz="1200" dirty="0" smtClean="0"/>
+                <a:t>Тильда</a:t>
+              </a:r>
+            </a:p>
+            <a:p>
+              <a:r>
+                <a:rPr lang="en-US" sz="1200" dirty="0">
+                  <a:hlinkClick r:id="rId9"/>
+                </a:rPr>
+                <a:t>https://tilda.cc/ru</a:t>
+              </a:r>
+              <a:r>
+                <a:rPr lang="en-US" sz="1200" dirty="0" smtClean="0">
+                  <a:hlinkClick r:id="rId9"/>
+                </a:rPr>
+                <a:t>/</a:t>
+              </a:r>
+              <a:endParaRPr lang="ru-RU" sz="1200" dirty="0" smtClean="0"/>
+            </a:p>
+            <a:p>
+              <a:endParaRPr lang="ru-RU" dirty="0"/>
+            </a:p>
+          </p:txBody>
+        </p:sp>
+        <p:sp>
+          <p:nvSpPr>
+            <p:cNvPr id="31" name="TextBox 30"/>
+            <p:cNvSpPr txBox="1"/>
+            <p:nvPr/>
+          </p:nvSpPr>
+          <p:spPr>
+            <a:xfrm>
+              <a:off x="7370998" y="5184225"/>
+              <a:ext cx="1539973" cy="738664"/>
+            </a:xfrm>
+            <a:prstGeom prst="rect">
+              <a:avLst/>
+            </a:prstGeom>
+            <a:noFill/>
+          </p:spPr>
+          <p:txBody>
+            <a:bodyPr wrap="none" rtlCol="0">
+              <a:spAutoFit/>
+            </a:bodyPr>
+            <a:lstStyle/>
+            <a:p>
+              <a:r>
+                <a:rPr lang="ru-RU" sz="1200" dirty="0" err="1" smtClean="0"/>
+                <a:t>Индико</a:t>
+              </a:r>
+              <a:endParaRPr lang="ru-RU" sz="1200" dirty="0" smtClean="0"/>
+            </a:p>
+            <a:p>
+              <a:r>
+                <a:rPr lang="en-US" sz="1200" dirty="0">
+                  <a:hlinkClick r:id="rId10"/>
+                </a:rPr>
+                <a:t>https://</a:t>
+              </a:r>
+              <a:r>
+                <a:rPr lang="en-US" sz="1200" dirty="0" smtClean="0">
+                  <a:hlinkClick r:id="rId10"/>
+                </a:rPr>
+                <a:t>indico.cern.ch</a:t>
+              </a:r>
+              <a:endParaRPr lang="ru-RU" sz="1200" dirty="0" smtClean="0"/>
+            </a:p>
+            <a:p>
+              <a:endParaRPr lang="ru-RU" dirty="0" smtClean="0"/>
+            </a:p>
+          </p:txBody>
+        </p:sp>
+        <p:sp>
+          <p:nvSpPr>
+            <p:cNvPr id="32" name="TextBox 31"/>
+            <p:cNvSpPr txBox="1"/>
+            <p:nvPr/>
+          </p:nvSpPr>
+          <p:spPr>
+            <a:xfrm>
+              <a:off x="5351831" y="3776263"/>
+              <a:ext cx="1841914" cy="461665"/>
+            </a:xfrm>
+            <a:prstGeom prst="rect">
+              <a:avLst/>
+            </a:prstGeom>
+            <a:noFill/>
+          </p:spPr>
+          <p:txBody>
+            <a:bodyPr wrap="none" rtlCol="0">
+              <a:spAutoFit/>
+            </a:bodyPr>
+            <a:lstStyle/>
+            <a:p>
+              <a:r>
+                <a:rPr lang="ru-RU" sz="1200" dirty="0" smtClean="0"/>
+                <a:t>Сервис на базе МГУ</a:t>
+              </a:r>
+            </a:p>
+            <a:p>
+              <a:r>
+                <a:rPr lang="en-US" sz="1200" dirty="0">
+                  <a:hlinkClick r:id="rId11"/>
+                </a:rPr>
+                <a:t>https://</a:t>
+              </a:r>
+              <a:r>
+                <a:rPr lang="en-US" sz="1200" dirty="0" smtClean="0">
+                  <a:hlinkClick r:id="rId11"/>
+                </a:rPr>
+                <a:t>lomonosov-msu.ru</a:t>
+              </a:r>
+              <a:endParaRPr lang="ru-RU" sz="1200" dirty="0" smtClean="0"/>
+            </a:p>
+          </p:txBody>
+        </p:sp>
+      </p:grpSp>
     </p:spTree>
     <p:extLst>
       <p:ext uri="{BB962C8B-B14F-4D97-AF65-F5344CB8AC3E}">
-        <p14:creationId xmlns:p14="http://schemas.microsoft.com/office/powerpoint/2010/main" val="3619977716"/>
+        <p14:creationId xmlns:p14="http://schemas.microsoft.com/office/powerpoint/2010/main" val="2468983020"/>
       </p:ext>
     </p:extLst>
   </p:cSld>
@@ -9746,75 +10600,31 @@
             <p:ph type="title"/>
           </p:nvPr>
         </p:nvSpPr>
-        <p:spPr/>
+        <p:spPr>
+          <a:solidFill>
+            <a:schemeClr val="bg1"/>
+          </a:solidFill>
+        </p:spPr>
         <p:txBody>
           <a:bodyPr/>
           <a:lstStyle/>
           <a:p>
             <a:pPr algn="ctr"/>
             <a:r>
+              <a:rPr lang="en-US" dirty="0" smtClean="0"/>
+              <a:t>Use-case </a:t>
+            </a:r>
+            <a:r>
               <a:rPr lang="ru-RU" dirty="0" smtClean="0"/>
-              <a:t>Анализ предметной области</a:t>
-            </a:r>
-            <a:br>
-              <a:rPr lang="ru-RU" dirty="0" smtClean="0"/>
-            </a:br>
-            <a:r>
-              <a:rPr lang="ru-RU" dirty="0" smtClean="0"/>
-              <a:t>Анализ предметных воронок</a:t>
-            </a:r>
-            <a:endParaRPr lang="ru-RU" dirty="0"/>
+              <a:t>диаграмм</a:t>
+            </a:r>
+            <a:r>
+              <a:rPr lang="ru-RU" dirty="0"/>
+              <a:t>а</a:t>
+            </a:r>
           </a:p>
         </p:txBody>
       </p:sp>
-      <p:pic>
-        <p:nvPicPr>
-          <p:cNvPr id="3" name="Рисунок 2"/>
-          <p:cNvPicPr>
-            <a:picLocks noChangeAspect="1"/>
-          </p:cNvPicPr>
-          <p:nvPr/>
-        </p:nvPicPr>
-        <p:blipFill>
-          <a:blip r:embed="rId2"/>
-          <a:stretch>
-            <a:fillRect/>
-          </a:stretch>
-        </p:blipFill>
-        <p:spPr>
-          <a:xfrm>
-            <a:off x="536863" y="1690688"/>
-            <a:ext cx="3381994" cy="2433665"/>
-          </a:xfrm>
-          <a:prstGeom prst="rect">
-            <a:avLst/>
-          </a:prstGeom>
-        </p:spPr>
-      </p:pic>
-      <p:pic>
-        <p:nvPicPr>
-          <p:cNvPr id="4" name="Рисунок 3"/>
-          <p:cNvPicPr>
-            <a:picLocks noChangeAspect="1"/>
-          </p:cNvPicPr>
-          <p:nvPr/>
-        </p:nvPicPr>
-        <p:blipFill>
-          <a:blip r:embed="rId3"/>
-          <a:stretch>
-            <a:fillRect/>
-          </a:stretch>
-        </p:blipFill>
-        <p:spPr>
-          <a:xfrm>
-            <a:off x="477485" y="4124352"/>
-            <a:ext cx="3441371" cy="2476391"/>
-          </a:xfrm>
-          <a:prstGeom prst="rect">
-            <a:avLst/>
-          </a:prstGeom>
-        </p:spPr>
-      </p:pic>
       <p:pic>
         <p:nvPicPr>
           <p:cNvPr id="5" name="Рисунок 4"/>
@@ -9823,96 +10633,32 @@
           </p:cNvPicPr>
           <p:nvPr/>
         </p:nvPicPr>
-        <p:blipFill rotWithShape="1">
-          <a:blip r:embed="rId4"/>
-          <a:srcRect l="2480" r="3761"/>
-          <a:stretch/>
+        <p:blipFill>
+          <a:blip r:embed="rId2">
+            <a:extLst>
+              <a:ext uri="{28A0092B-C50C-407E-A947-70E740481C1C}">
+                <a14:useLocalDpi xmlns:a14="http://schemas.microsoft.com/office/drawing/2010/main" val="0"/>
+              </a:ext>
+            </a:extLst>
+          </a:blip>
+          <a:stretch>
+            <a:fillRect/>
+          </a:stretch>
         </p:blipFill>
         <p:spPr>
           <a:xfrm>
-            <a:off x="4220193" y="1690688"/>
-            <a:ext cx="3847605" cy="2650954"/>
+            <a:off x="2310906" y="1358900"/>
+            <a:ext cx="7570187" cy="5379523"/>
           </a:xfrm>
           <a:prstGeom prst="rect">
             <a:avLst/>
           </a:prstGeom>
         </p:spPr>
       </p:pic>
-      <p:pic>
-        <p:nvPicPr>
-          <p:cNvPr id="7" name="Рисунок 6"/>
-          <p:cNvPicPr>
-            <a:picLocks noChangeAspect="1"/>
-          </p:cNvPicPr>
-          <p:nvPr/>
-        </p:nvPicPr>
-        <p:blipFill rotWithShape="1">
-          <a:blip r:embed="rId2"/>
-          <a:srcRect r="5118"/>
-          <a:stretch/>
-        </p:blipFill>
-        <p:spPr>
-          <a:xfrm>
-            <a:off x="8205850" y="1575530"/>
-            <a:ext cx="3360718" cy="2548822"/>
-          </a:xfrm>
-          <a:prstGeom prst="rect">
-            <a:avLst/>
-          </a:prstGeom>
-        </p:spPr>
-      </p:pic>
-      <p:sp>
-        <p:nvSpPr>
-          <p:cNvPr id="8" name="TextBox 7"/>
-          <p:cNvSpPr txBox="1"/>
-          <p:nvPr/>
-        </p:nvSpPr>
-        <p:spPr>
-          <a:xfrm>
-            <a:off x="5420591" y="4660848"/>
-            <a:ext cx="5294414" cy="523220"/>
-          </a:xfrm>
-          <a:prstGeom prst="rect">
-            <a:avLst/>
-          </a:prstGeom>
-          <a:ln>
-            <a:solidFill>
-              <a:schemeClr val="accent2"/>
-            </a:solidFill>
-          </a:ln>
-        </p:spPr>
-        <p:style>
-          <a:lnRef idx="2">
-            <a:schemeClr val="accent1"/>
-          </a:lnRef>
-          <a:fillRef idx="1">
-            <a:schemeClr val="lt1"/>
-          </a:fillRef>
-          <a:effectRef idx="0">
-            <a:schemeClr val="accent1"/>
-          </a:effectRef>
-          <a:fontRef idx="minor">
-            <a:schemeClr val="dk1"/>
-          </a:fontRef>
-        </p:style>
-        <p:txBody>
-          <a:bodyPr wrap="square" rtlCol="0">
-            <a:spAutoFit/>
-          </a:bodyPr>
-          <a:lstStyle/>
-          <a:p>
-            <a:pPr algn="ctr"/>
-            <a:r>
-              <a:rPr lang="ru-RU" sz="1400" dirty="0" smtClean="0"/>
-              <a:t>Примерно 85% пользователей справлялись с поставленными задачами</a:t>
-            </a:r>
-          </a:p>
-        </p:txBody>
-      </p:sp>
     </p:spTree>
     <p:extLst>
       <p:ext uri="{BB962C8B-B14F-4D97-AF65-F5344CB8AC3E}">
-        <p14:creationId xmlns:p14="http://schemas.microsoft.com/office/powerpoint/2010/main" val="2566586200"/>
+        <p14:creationId xmlns:p14="http://schemas.microsoft.com/office/powerpoint/2010/main" val="2509523723"/>
       </p:ext>
     </p:extLst>
   </p:cSld>
@@ -9964,42 +10710,12 @@
             <a:pPr algn="ctr"/>
             <a:r>
               <a:rPr lang="ru-RU" dirty="0" smtClean="0"/>
-              <a:t>Анализ предметной области</a:t>
-            </a:r>
-            <a:br>
-              <a:rPr lang="ru-RU" dirty="0" smtClean="0"/>
-            </a:br>
-            <a:r>
-              <a:rPr lang="ru-RU" dirty="0" smtClean="0"/>
-              <a:t>Анализ архитектуры</a:t>
+              <a:t>Обоснование выбора технологий</a:t>
             </a:r>
             <a:endParaRPr lang="ru-RU" dirty="0"/>
           </a:p>
         </p:txBody>
       </p:sp>
-      <p:pic>
-        <p:nvPicPr>
-          <p:cNvPr id="3" name="Рисунок 2"/>
-          <p:cNvPicPr>
-            <a:picLocks noChangeAspect="1"/>
-          </p:cNvPicPr>
-          <p:nvPr/>
-        </p:nvPicPr>
-        <p:blipFill rotWithShape="1">
-          <a:blip r:embed="rId2"/>
-          <a:srcRect b="8584"/>
-          <a:stretch/>
-        </p:blipFill>
-        <p:spPr>
-          <a:xfrm>
-            <a:off x="7812708" y="1987750"/>
-            <a:ext cx="3810532" cy="3309263"/>
-          </a:xfrm>
-          <a:prstGeom prst="rect">
-            <a:avLst/>
-          </a:prstGeom>
-        </p:spPr>
-      </p:pic>
       <p:sp>
         <p:nvSpPr>
           <p:cNvPr id="4" name="TextBox 3"/>
@@ -10008,146 +10724,510 @@
         </p:nvSpPr>
         <p:spPr>
           <a:xfrm>
-            <a:off x="473758" y="1880693"/>
-            <a:ext cx="7138325" cy="3693319"/>
+            <a:off x="461204" y="1660260"/>
+            <a:ext cx="5294414" cy="4247317"/>
+          </a:xfrm>
+          <a:prstGeom prst="rect">
+            <a:avLst/>
+          </a:prstGeom>
+          <a:ln/>
+        </p:spPr>
+        <p:style>
+          <a:lnRef idx="2">
+            <a:schemeClr val="accent1"/>
+          </a:lnRef>
+          <a:fillRef idx="1">
+            <a:schemeClr val="lt1"/>
+          </a:fillRef>
+          <a:effectRef idx="0">
+            <a:schemeClr val="accent1"/>
+          </a:effectRef>
+          <a:fontRef idx="minor">
+            <a:schemeClr val="dk1"/>
+          </a:fontRef>
+        </p:style>
+        <p:txBody>
+          <a:bodyPr wrap="square" rtlCol="0">
+            <a:spAutoFit/>
+          </a:bodyPr>
+          <a:lstStyle/>
+          <a:p>
+            <a:pPr algn="ctr">
+              <a:lnSpc>
+                <a:spcPct val="150000"/>
+              </a:lnSpc>
+            </a:pPr>
+            <a:r>
+              <a:rPr lang="en-US" dirty="0" smtClean="0"/>
+              <a:t>Back-end</a:t>
+            </a:r>
+            <a:endParaRPr lang="ru-RU" dirty="0"/>
+          </a:p>
+          <a:p>
+            <a:pPr>
+              <a:lnSpc>
+                <a:spcPct val="150000"/>
+              </a:lnSpc>
+            </a:pPr>
+            <a:endParaRPr lang="ru-RU" dirty="0"/>
+          </a:p>
+          <a:p>
+            <a:pPr>
+              <a:lnSpc>
+                <a:spcPct val="150000"/>
+              </a:lnSpc>
+            </a:pPr>
+            <a:r>
+              <a:rPr lang="en-US" dirty="0" smtClean="0"/>
+              <a:t>flask</a:t>
+            </a:r>
+            <a:r>
+              <a:rPr lang="ru-RU" dirty="0"/>
+              <a:t>,</a:t>
+            </a:r>
+            <a:r>
+              <a:rPr lang="en-US" dirty="0"/>
+              <a:t> </a:t>
+            </a:r>
+            <a:r>
+              <a:rPr lang="en-US" dirty="0" err="1"/>
+              <a:t>flask_bootstrap</a:t>
+            </a:r>
+            <a:r>
+              <a:rPr lang="en-US" dirty="0"/>
+              <a:t>, </a:t>
+            </a:r>
+            <a:r>
+              <a:rPr lang="en-US" dirty="0" err="1"/>
+              <a:t>flask_login</a:t>
+            </a:r>
+            <a:r>
+              <a:rPr lang="en-US" dirty="0"/>
+              <a:t>, </a:t>
+            </a:r>
+            <a:r>
+              <a:rPr lang="en-US" dirty="0" err="1"/>
+              <a:t>flasgger</a:t>
+            </a:r>
+            <a:r>
+              <a:rPr lang="en-US" dirty="0"/>
+              <a:t>, </a:t>
+            </a:r>
+            <a:r>
+              <a:rPr lang="en-US" dirty="0" err="1"/>
+              <a:t>flask_login</a:t>
+            </a:r>
+            <a:r>
+              <a:rPr lang="en-US" dirty="0"/>
+              <a:t>, </a:t>
+            </a:r>
+            <a:r>
+              <a:rPr lang="en-US" dirty="0" err="1"/>
+              <a:t>flask_migrate</a:t>
+            </a:r>
+            <a:r>
+              <a:rPr lang="en-US" dirty="0"/>
+              <a:t>, </a:t>
+            </a:r>
+            <a:r>
+              <a:rPr lang="en-US" dirty="0" err="1"/>
+              <a:t>flask_sqlalchemy</a:t>
+            </a:r>
+            <a:r>
+              <a:rPr lang="en-US" dirty="0"/>
+              <a:t>, </a:t>
+            </a:r>
+            <a:r>
+              <a:rPr lang="en-US" dirty="0" err="1"/>
+              <a:t>flask_socketio</a:t>
+            </a:r>
+            <a:r>
+              <a:rPr lang="ru-RU" dirty="0"/>
+              <a:t>, </a:t>
+            </a:r>
+            <a:r>
+              <a:rPr lang="en-US" dirty="0" err="1" smtClean="0"/>
+              <a:t>flask_wtf</a:t>
+            </a:r>
+            <a:endParaRPr lang="ru-RU" dirty="0" smtClean="0"/>
+          </a:p>
+          <a:p>
+            <a:pPr>
+              <a:lnSpc>
+                <a:spcPct val="150000"/>
+              </a:lnSpc>
+            </a:pPr>
+            <a:endParaRPr lang="ru-RU" dirty="0"/>
+          </a:p>
+          <a:p>
+            <a:pPr>
+              <a:lnSpc>
+                <a:spcPct val="150000"/>
+              </a:lnSpc>
+            </a:pPr>
+            <a:endParaRPr lang="ru-RU" dirty="0" smtClean="0"/>
+          </a:p>
+          <a:p>
+            <a:pPr>
+              <a:lnSpc>
+                <a:spcPct val="150000"/>
+              </a:lnSpc>
+            </a:pPr>
+            <a:endParaRPr lang="ru-RU" dirty="0"/>
+          </a:p>
+          <a:p>
+            <a:pPr>
+              <a:lnSpc>
+                <a:spcPct val="150000"/>
+              </a:lnSpc>
+            </a:pPr>
+            <a:endParaRPr lang="ru-RU" dirty="0" smtClean="0"/>
+          </a:p>
+          <a:p>
+            <a:pPr>
+              <a:lnSpc>
+                <a:spcPct val="150000"/>
+              </a:lnSpc>
+            </a:pPr>
+            <a:endParaRPr lang="ru-RU" dirty="0"/>
+          </a:p>
+        </p:txBody>
+      </p:sp>
+      <p:sp>
+        <p:nvSpPr>
+          <p:cNvPr id="5" name="TextBox 4"/>
+          <p:cNvSpPr txBox="1"/>
+          <p:nvPr/>
+        </p:nvSpPr>
+        <p:spPr>
+          <a:xfrm>
+            <a:off x="6242508" y="1670623"/>
+            <a:ext cx="5294414" cy="4247317"/>
+          </a:xfrm>
+          <a:prstGeom prst="rect">
+            <a:avLst/>
+          </a:prstGeom>
+          <a:ln>
+            <a:solidFill>
+              <a:schemeClr val="accent2"/>
+            </a:solidFill>
+          </a:ln>
+        </p:spPr>
+        <p:style>
+          <a:lnRef idx="2">
+            <a:schemeClr val="accent1"/>
+          </a:lnRef>
+          <a:fillRef idx="1">
+            <a:schemeClr val="lt1"/>
+          </a:fillRef>
+          <a:effectRef idx="0">
+            <a:schemeClr val="accent1"/>
+          </a:effectRef>
+          <a:fontRef idx="minor">
+            <a:schemeClr val="dk1"/>
+          </a:fontRef>
+        </p:style>
+        <p:txBody>
+          <a:bodyPr wrap="square" rtlCol="0">
+            <a:spAutoFit/>
+          </a:bodyPr>
+          <a:lstStyle/>
+          <a:p>
+            <a:pPr algn="ctr">
+              <a:lnSpc>
+                <a:spcPct val="150000"/>
+              </a:lnSpc>
+            </a:pPr>
+            <a:r>
+              <a:rPr lang="en-US" dirty="0" smtClean="0"/>
+              <a:t>Front-end</a:t>
+            </a:r>
+          </a:p>
+          <a:p>
+            <a:pPr algn="ctr">
+              <a:lnSpc>
+                <a:spcPct val="150000"/>
+              </a:lnSpc>
+            </a:pPr>
+            <a:endParaRPr lang="en-US" dirty="0"/>
+          </a:p>
+          <a:p>
+            <a:pPr algn="ctr">
+              <a:lnSpc>
+                <a:spcPct val="150000"/>
+              </a:lnSpc>
+            </a:pPr>
+            <a:endParaRPr lang="en-US" dirty="0" smtClean="0"/>
+          </a:p>
+          <a:p>
+            <a:pPr algn="ctr">
+              <a:lnSpc>
+                <a:spcPct val="150000"/>
+              </a:lnSpc>
+            </a:pPr>
+            <a:endParaRPr lang="ru-RU" dirty="0" smtClean="0"/>
+          </a:p>
+          <a:p>
+            <a:pPr algn="ctr">
+              <a:lnSpc>
+                <a:spcPct val="150000"/>
+              </a:lnSpc>
+            </a:pPr>
+            <a:endParaRPr lang="ru-RU" dirty="0"/>
+          </a:p>
+          <a:p>
+            <a:pPr algn="ctr">
+              <a:lnSpc>
+                <a:spcPct val="150000"/>
+              </a:lnSpc>
+            </a:pPr>
+            <a:endParaRPr lang="ru-RU" dirty="0" smtClean="0"/>
+          </a:p>
+          <a:p>
+            <a:pPr algn="ctr">
+              <a:lnSpc>
+                <a:spcPct val="150000"/>
+              </a:lnSpc>
+            </a:pPr>
+            <a:endParaRPr lang="ru-RU" dirty="0"/>
+          </a:p>
+          <a:p>
+            <a:pPr algn="ctr">
+              <a:lnSpc>
+                <a:spcPct val="150000"/>
+              </a:lnSpc>
+            </a:pPr>
+            <a:endParaRPr lang="ru-RU" dirty="0" smtClean="0"/>
+          </a:p>
+          <a:p>
+            <a:pPr algn="ctr">
+              <a:lnSpc>
+                <a:spcPct val="150000"/>
+              </a:lnSpc>
+            </a:pPr>
+            <a:endParaRPr lang="ru-RU" dirty="0"/>
+          </a:p>
+          <a:p>
+            <a:pPr algn="ctr">
+              <a:lnSpc>
+                <a:spcPct val="150000"/>
+              </a:lnSpc>
+            </a:pPr>
+            <a:endParaRPr lang="ru-RU" dirty="0" smtClean="0"/>
+          </a:p>
+        </p:txBody>
+      </p:sp>
+      <p:pic>
+        <p:nvPicPr>
+          <p:cNvPr id="6" name="Рисунок 5"/>
+          <p:cNvPicPr>
+            <a:picLocks noChangeAspect="1"/>
+          </p:cNvPicPr>
+          <p:nvPr/>
+        </p:nvPicPr>
+        <p:blipFill>
+          <a:blip r:embed="rId2"/>
+          <a:stretch>
+            <a:fillRect/>
+          </a:stretch>
+        </p:blipFill>
+        <p:spPr>
+          <a:xfrm>
+            <a:off x="6791668" y="2223199"/>
+            <a:ext cx="1180700" cy="945501"/>
+          </a:xfrm>
+          <a:prstGeom prst="rect">
+            <a:avLst/>
+          </a:prstGeom>
+        </p:spPr>
+      </p:pic>
+      <p:pic>
+        <p:nvPicPr>
+          <p:cNvPr id="7" name="Рисунок 6"/>
+          <p:cNvPicPr>
+            <a:picLocks noChangeAspect="1"/>
+          </p:cNvPicPr>
+          <p:nvPr/>
+        </p:nvPicPr>
+        <p:blipFill>
+          <a:blip r:embed="rId3"/>
+          <a:stretch>
+            <a:fillRect/>
+          </a:stretch>
+        </p:blipFill>
+        <p:spPr>
+          <a:xfrm rot="10800000" flipH="1" flipV="1">
+            <a:off x="6680977" y="3305840"/>
+            <a:ext cx="1402082" cy="1402082"/>
+          </a:xfrm>
+          <a:prstGeom prst="rect">
+            <a:avLst/>
+          </a:prstGeom>
+        </p:spPr>
+      </p:pic>
+      <p:pic>
+        <p:nvPicPr>
+          <p:cNvPr id="9" name="Рисунок 8"/>
+          <p:cNvPicPr>
+            <a:picLocks noChangeAspect="1"/>
+          </p:cNvPicPr>
+          <p:nvPr/>
+        </p:nvPicPr>
+        <p:blipFill>
+          <a:blip r:embed="rId4"/>
+          <a:stretch>
+            <a:fillRect/>
+          </a:stretch>
+        </p:blipFill>
+        <p:spPr>
+          <a:xfrm>
+            <a:off x="8456027" y="2223198"/>
+            <a:ext cx="1894474" cy="985344"/>
+          </a:xfrm>
+          <a:prstGeom prst="rect">
+            <a:avLst/>
+          </a:prstGeom>
+        </p:spPr>
+      </p:pic>
+      <p:pic>
+        <p:nvPicPr>
+          <p:cNvPr id="11" name="Рисунок 10"/>
+          <p:cNvPicPr>
+            <a:picLocks noChangeAspect="1"/>
+          </p:cNvPicPr>
+          <p:nvPr/>
+        </p:nvPicPr>
+        <p:blipFill>
+          <a:blip r:embed="rId5"/>
+          <a:stretch>
+            <a:fillRect/>
+          </a:stretch>
+        </p:blipFill>
+        <p:spPr>
+          <a:xfrm>
+            <a:off x="569991" y="3794282"/>
+            <a:ext cx="827010" cy="758092"/>
+          </a:xfrm>
+          <a:prstGeom prst="rect">
+            <a:avLst/>
+          </a:prstGeom>
+        </p:spPr>
+      </p:pic>
+      <p:pic>
+        <p:nvPicPr>
+          <p:cNvPr id="12" name="Рисунок 11"/>
+          <p:cNvPicPr>
+            <a:picLocks noChangeAspect="1"/>
+          </p:cNvPicPr>
+          <p:nvPr/>
+        </p:nvPicPr>
+        <p:blipFill>
+          <a:blip r:embed="rId6"/>
+          <a:stretch>
+            <a:fillRect/>
+          </a:stretch>
+        </p:blipFill>
+        <p:spPr>
+          <a:xfrm>
+            <a:off x="569990" y="1863498"/>
+            <a:ext cx="1639618" cy="719399"/>
+          </a:xfrm>
+          <a:prstGeom prst="rect">
+            <a:avLst/>
+          </a:prstGeom>
+        </p:spPr>
+      </p:pic>
+      <p:pic>
+        <p:nvPicPr>
+          <p:cNvPr id="13" name="Рисунок 12"/>
+          <p:cNvPicPr>
+            <a:picLocks noChangeAspect="1"/>
+          </p:cNvPicPr>
+          <p:nvPr/>
+        </p:nvPicPr>
+        <p:blipFill rotWithShape="1">
+          <a:blip r:embed="rId7"/>
+          <a:srcRect t="4802" r="25283" b="71337"/>
+          <a:stretch/>
+        </p:blipFill>
+        <p:spPr>
+          <a:xfrm>
+            <a:off x="675770" y="4622523"/>
+            <a:ext cx="2432641" cy="606775"/>
+          </a:xfrm>
+          <a:prstGeom prst="rect">
+            <a:avLst/>
+          </a:prstGeom>
+        </p:spPr>
+      </p:pic>
+      <p:pic>
+        <p:nvPicPr>
+          <p:cNvPr id="16" name="Рисунок 15"/>
+          <p:cNvPicPr>
+            <a:picLocks noChangeAspect="1"/>
+          </p:cNvPicPr>
+          <p:nvPr/>
+        </p:nvPicPr>
+        <p:blipFill rotWithShape="1">
+          <a:blip r:embed="rId8"/>
+          <a:srcRect l="13880" t="19805" r="13368" b="16941"/>
+          <a:stretch/>
+        </p:blipFill>
+        <p:spPr>
+          <a:xfrm>
+            <a:off x="3108411" y="4622523"/>
+            <a:ext cx="1589670" cy="762000"/>
+          </a:xfrm>
+          <a:prstGeom prst="rect">
+            <a:avLst/>
+          </a:prstGeom>
+        </p:spPr>
+      </p:pic>
+      <p:pic>
+        <p:nvPicPr>
+          <p:cNvPr id="1026" name="Picture 2" descr="Шаблоны третьего порядка, или как я портировал Jinja2 на C++ / Хабр"/>
+          <p:cNvPicPr>
+            <a:picLocks noChangeAspect="1" noChangeArrowheads="1"/>
+          </p:cNvPicPr>
+          <p:nvPr/>
+        </p:nvPicPr>
+        <p:blipFill>
+          <a:blip r:embed="rId9" cstate="print">
+            <a:extLst>
+              <a:ext uri="{28A0092B-C50C-407E-A947-70E740481C1C}">
+                <a14:useLocalDpi xmlns:a14="http://schemas.microsoft.com/office/drawing/2010/main" val="0"/>
+              </a:ext>
+            </a:extLst>
+          </a:blip>
+          <a:srcRect/>
+          <a:stretch>
+            <a:fillRect/>
+          </a:stretch>
+        </p:blipFill>
+        <p:spPr bwMode="auto">
+          <a:xfrm>
+            <a:off x="1661475" y="3793521"/>
+            <a:ext cx="1513526" cy="699199"/>
           </a:xfrm>
           <a:prstGeom prst="rect">
             <a:avLst/>
           </a:prstGeom>
           <a:noFill/>
+          <a:extLst>
+            <a:ext uri="{909E8E84-426E-40DD-AFC4-6F175D3DCCD1}">
+              <a14:hiddenFill xmlns:a14="http://schemas.microsoft.com/office/drawing/2010/main">
+                <a:solidFill>
+                  <a:srgbClr val="FFFFFF"/>
+                </a:solidFill>
+              </a14:hiddenFill>
+            </a:ext>
+          </a:extLst>
         </p:spPr>
-        <p:txBody>
-          <a:bodyPr wrap="square" rtlCol="0">
-            <a:spAutoFit/>
-          </a:bodyPr>
-          <a:lstStyle/>
-          <a:p>
-            <a:pPr algn="ctr"/>
-            <a:r>
-              <a:rPr lang="ru-RU" dirty="0"/>
-              <a:t>Причины выбора данного паттерна:</a:t>
-            </a:r>
-          </a:p>
-          <a:p>
-            <a:pPr lvl="0"/>
-            <a:r>
-              <a:rPr lang="ru-RU" dirty="0" smtClean="0"/>
-              <a:t> - четко </a:t>
-            </a:r>
-            <a:r>
-              <a:rPr lang="ru-RU" dirty="0"/>
-              <a:t>разделена логика приложения</a:t>
-            </a:r>
-          </a:p>
-          <a:p>
-            <a:pPr lvl="0"/>
-            <a:r>
-              <a:rPr lang="ru-RU" dirty="0"/>
-              <a:t> </a:t>
-            </a:r>
-            <a:r>
-              <a:rPr lang="ru-RU" dirty="0" smtClean="0"/>
-              <a:t>- облегчается </a:t>
-            </a:r>
-            <a:r>
-              <a:rPr lang="ru-RU" dirty="0"/>
-              <a:t>поддержка и тестирование кода</a:t>
-            </a:r>
-          </a:p>
-          <a:p>
-            <a:pPr lvl="0"/>
-            <a:r>
-              <a:rPr lang="ru-RU" dirty="0" smtClean="0"/>
-              <a:t> - возможность </a:t>
-            </a:r>
-            <a:r>
-              <a:rPr lang="ru-RU" dirty="0"/>
-              <a:t>автоматизации части контроллера во </a:t>
-            </a:r>
-            <a:r>
-              <a:rPr lang="en-US" dirty="0"/>
-              <a:t>Flask</a:t>
-            </a:r>
-            <a:endParaRPr lang="ru-RU" dirty="0"/>
-          </a:p>
-          <a:p>
-            <a:r>
-              <a:rPr lang="ru-RU" dirty="0"/>
-              <a:t> </a:t>
-            </a:r>
-          </a:p>
-          <a:p>
-            <a:r>
-              <a:rPr lang="ru-RU" dirty="0"/>
-              <a:t>Аналогами выступали паттерны</a:t>
-            </a:r>
-            <a:r>
-              <a:rPr lang="en-US" dirty="0"/>
-              <a:t> Model-View-Presenter </a:t>
-            </a:r>
-            <a:r>
-              <a:rPr lang="ru-RU" dirty="0"/>
-              <a:t>и</a:t>
-            </a:r>
-            <a:r>
-              <a:rPr lang="en-US" dirty="0"/>
-              <a:t> Model-View-View Model</a:t>
-            </a:r>
-            <a:r>
-              <a:rPr lang="en-US" dirty="0" smtClean="0"/>
-              <a:t>.</a:t>
-            </a:r>
-            <a:endParaRPr lang="ru-RU" dirty="0" smtClean="0"/>
-          </a:p>
-          <a:p>
-            <a:endParaRPr lang="ru-RU" dirty="0"/>
-          </a:p>
-          <a:p>
-            <a:pPr algn="ctr"/>
-            <a:r>
-              <a:rPr lang="ru-RU" dirty="0"/>
-              <a:t>Причины, почему не были выбраны данные паттерны:</a:t>
-            </a:r>
-          </a:p>
-          <a:p>
-            <a:pPr lvl="0"/>
-            <a:r>
-              <a:rPr lang="ru-RU" dirty="0" smtClean="0"/>
-              <a:t>- отсутствие </a:t>
-            </a:r>
-            <a:r>
-              <a:rPr lang="ru-RU" dirty="0"/>
-              <a:t>предрасположенности выбранного </a:t>
-            </a:r>
-            <a:r>
-              <a:rPr lang="ru-RU" dirty="0" err="1"/>
-              <a:t>фреймворка</a:t>
-            </a:r>
-            <a:r>
-              <a:rPr lang="ru-RU" dirty="0"/>
-              <a:t> под данные паттерны</a:t>
-            </a:r>
-          </a:p>
-          <a:p>
-            <a:pPr lvl="0"/>
-            <a:r>
-              <a:rPr lang="ru-RU" dirty="0" smtClean="0"/>
-              <a:t>- неоправданная </a:t>
-            </a:r>
-            <a:r>
-              <a:rPr lang="ru-RU" dirty="0"/>
-              <a:t>сложность для данного проекта</a:t>
-            </a:r>
-          </a:p>
-          <a:p>
-            <a:endParaRPr lang="ru-RU" dirty="0"/>
-          </a:p>
-        </p:txBody>
-      </p:sp>
+      </p:pic>
     </p:spTree>
     <p:extLst>
       <p:ext uri="{BB962C8B-B14F-4D97-AF65-F5344CB8AC3E}">
-        <p14:creationId xmlns:p14="http://schemas.microsoft.com/office/powerpoint/2010/main" val="1042559478"/>
+        <p14:creationId xmlns:p14="http://schemas.microsoft.com/office/powerpoint/2010/main" val="3619977716"/>
       </p:ext>
     </p:extLst>
   </p:cSld>
@@ -10199,37 +11279,7 @@
             <a:pPr algn="ctr"/>
             <a:r>
               <a:rPr lang="ru-RU" dirty="0" smtClean="0"/>
-              <a:t>Тестирование</a:t>
-            </a:r>
-            <a:endParaRPr lang="ru-RU" dirty="0"/>
-          </a:p>
-        </p:txBody>
-      </p:sp>
-      <p:sp>
-        <p:nvSpPr>
-          <p:cNvPr id="3" name="TextBox 2"/>
-          <p:cNvSpPr txBox="1"/>
-          <p:nvPr/>
-        </p:nvSpPr>
-        <p:spPr>
-          <a:xfrm>
-            <a:off x="3830988" y="1506022"/>
-            <a:ext cx="5278689" cy="369332"/>
-          </a:xfrm>
-          <a:prstGeom prst="rect">
-            <a:avLst/>
-          </a:prstGeom>
-          <a:noFill/>
-        </p:spPr>
-        <p:txBody>
-          <a:bodyPr wrap="none" rtlCol="0">
-            <a:spAutoFit/>
-          </a:bodyPr>
-          <a:lstStyle/>
-          <a:p>
-            <a:r>
-              <a:rPr lang="ru-RU" dirty="0" smtClean="0"/>
-              <a:t>Общие результаты функционального тестирования:</a:t>
+              <a:t>Анализ архитектуры</a:t>
             </a:r>
             <a:endParaRPr lang="ru-RU" dirty="0"/>
           </a:p>
@@ -10237,7 +11287,7 @@
       </p:sp>
       <p:pic>
         <p:nvPicPr>
-          <p:cNvPr id="4" name="Рисунок 3"/>
+          <p:cNvPr id="3" name="Рисунок 2"/>
           <p:cNvPicPr>
             <a:picLocks noChangeAspect="1"/>
           </p:cNvPicPr>
@@ -10245,23 +11295,177 @@
         </p:nvPicPr>
         <p:blipFill rotWithShape="1">
           <a:blip r:embed="rId2"/>
-          <a:srcRect l="259"/>
+          <a:srcRect b="8584"/>
           <a:stretch/>
         </p:blipFill>
         <p:spPr>
           <a:xfrm>
-            <a:off x="1211283" y="1875354"/>
-            <a:ext cx="9794853" cy="1962150"/>
+            <a:off x="7812708" y="1987750"/>
+            <a:ext cx="3810532" cy="3309263"/>
           </a:xfrm>
           <a:prstGeom prst="rect">
             <a:avLst/>
           </a:prstGeom>
         </p:spPr>
       </p:pic>
+      <p:sp>
+        <p:nvSpPr>
+          <p:cNvPr id="4" name="TextBox 3"/>
+          <p:cNvSpPr txBox="1"/>
+          <p:nvPr/>
+        </p:nvSpPr>
+        <p:spPr>
+          <a:xfrm>
+            <a:off x="473758" y="1880693"/>
+            <a:ext cx="7138325" cy="3693319"/>
+          </a:xfrm>
+          <a:prstGeom prst="rect">
+            <a:avLst/>
+          </a:prstGeom>
+          <a:noFill/>
+          <a:ln>
+            <a:solidFill>
+              <a:schemeClr val="accent1"/>
+            </a:solidFill>
+          </a:ln>
+        </p:spPr>
+        <p:txBody>
+          <a:bodyPr wrap="square" rtlCol="0">
+            <a:spAutoFit/>
+          </a:bodyPr>
+          <a:lstStyle/>
+          <a:p>
+            <a:pPr algn="ctr"/>
+            <a:r>
+              <a:rPr lang="ru-RU" dirty="0"/>
+              <a:t>Причины выбора данного паттерна:</a:t>
+            </a:r>
+          </a:p>
+          <a:p>
+            <a:pPr lvl="0"/>
+            <a:r>
+              <a:rPr lang="ru-RU" dirty="0" smtClean="0"/>
+              <a:t> - четко </a:t>
+            </a:r>
+            <a:r>
+              <a:rPr lang="ru-RU" dirty="0"/>
+              <a:t>разделена логика приложения</a:t>
+            </a:r>
+          </a:p>
+          <a:p>
+            <a:pPr lvl="0"/>
+            <a:r>
+              <a:rPr lang="ru-RU" dirty="0"/>
+              <a:t> </a:t>
+            </a:r>
+            <a:r>
+              <a:rPr lang="ru-RU" dirty="0" smtClean="0"/>
+              <a:t>- облегчается </a:t>
+            </a:r>
+            <a:r>
+              <a:rPr lang="ru-RU" dirty="0"/>
+              <a:t>поддержка </a:t>
+            </a:r>
+            <a:r>
+              <a:rPr lang="ru-RU" dirty="0" smtClean="0"/>
+              <a:t>кода</a:t>
+            </a:r>
+            <a:endParaRPr lang="ru-RU" dirty="0"/>
+          </a:p>
+          <a:p>
+            <a:pPr lvl="0"/>
+            <a:r>
+              <a:rPr lang="ru-RU" dirty="0" smtClean="0"/>
+              <a:t> - возможность </a:t>
+            </a:r>
+            <a:r>
+              <a:rPr lang="ru-RU" dirty="0"/>
+              <a:t>автоматизации части контроллера во </a:t>
+            </a:r>
+            <a:r>
+              <a:rPr lang="en-US" dirty="0"/>
+              <a:t>Flask</a:t>
+            </a:r>
+            <a:endParaRPr lang="ru-RU" dirty="0"/>
+          </a:p>
+          <a:p>
+            <a:r>
+              <a:rPr lang="ru-RU" dirty="0"/>
+              <a:t> </a:t>
+            </a:r>
+          </a:p>
+          <a:p>
+            <a:r>
+              <a:rPr lang="ru-RU" dirty="0"/>
+              <a:t>Аналогами выступали паттерны</a:t>
+            </a:r>
+            <a:r>
+              <a:rPr lang="en-US" dirty="0"/>
+              <a:t> Model-View-Presenter </a:t>
+            </a:r>
+            <a:r>
+              <a:rPr lang="ru-RU" dirty="0"/>
+              <a:t>и</a:t>
+            </a:r>
+            <a:r>
+              <a:rPr lang="en-US" dirty="0"/>
+              <a:t> Model-View-View Model</a:t>
+            </a:r>
+            <a:r>
+              <a:rPr lang="en-US" dirty="0" smtClean="0"/>
+              <a:t>.</a:t>
+            </a:r>
+            <a:endParaRPr lang="ru-RU" dirty="0" smtClean="0"/>
+          </a:p>
+          <a:p>
+            <a:endParaRPr lang="ru-RU" dirty="0"/>
+          </a:p>
+          <a:p>
+            <a:pPr algn="ctr"/>
+            <a:r>
+              <a:rPr lang="ru-RU" dirty="0"/>
+              <a:t>Причины, почему не были выбраны данные паттерны:</a:t>
+            </a:r>
+          </a:p>
+          <a:p>
+            <a:pPr lvl="0"/>
+            <a:r>
+              <a:rPr lang="ru-RU" dirty="0" smtClean="0"/>
+              <a:t>- отсутствие </a:t>
+            </a:r>
+            <a:r>
+              <a:rPr lang="ru-RU" dirty="0"/>
+              <a:t>предрасположенности выбранного </a:t>
+            </a:r>
+            <a:r>
+              <a:rPr lang="ru-RU" dirty="0" err="1"/>
+              <a:t>фреймворка</a:t>
+            </a:r>
+            <a:r>
+              <a:rPr lang="ru-RU" dirty="0"/>
+              <a:t> под данные паттерны</a:t>
+            </a:r>
+          </a:p>
+          <a:p>
+            <a:pPr lvl="0"/>
+            <a:r>
+              <a:rPr lang="ru-RU" dirty="0" smtClean="0"/>
+              <a:t>- неоправданная </a:t>
+            </a:r>
+            <a:r>
+              <a:rPr lang="ru-RU" dirty="0"/>
+              <a:t>сложность для данного проекта</a:t>
+            </a:r>
+          </a:p>
+          <a:p>
+            <a:endParaRPr lang="ru-RU" dirty="0"/>
+          </a:p>
+        </p:txBody>
+      </p:sp>
     </p:spTree>
     <p:extLst>
       <p:ext uri="{BB962C8B-B14F-4D97-AF65-F5344CB8AC3E}">
-        <p14:creationId xmlns:p14="http://schemas.microsoft.com/office/powerpoint/2010/main" val="1062573625"/>
+        <p14:creationId xmlns:p14="http://schemas.microsoft.com/office/powerpoint/2010/main" val="1042559478"/>
       </p:ext>
     </p:extLst>
   </p:cSld>
